--- a/CKDSurveillance/PPT/Q364.pptx
+++ b/CKDSurveillance/PPT/Q364.pptx
@@ -7,8 +7,11 @@
   <p:sldIdLst>
     <p:sldId id="256" r:id="rId2"/>
     <p:sldId id="267" r:id="rId3"/>
-    <p:sldId id="268" r:id="rId4"/>
+    <p:sldId id="270" r:id="rId4"/>
     <p:sldId id="269" r:id="rId5"/>
+    <p:sldId id="271" r:id="rId6"/>
+    <p:sldId id="268" r:id="rId7"/>
+    <p:sldId id="272" r:id="rId8"/>
   </p:sldIdLst>
   <p:sldSz cx="12192000" cy="6858000"/>
   <p:notesSz cx="6858000" cy="9144000"/>
@@ -152,19 +155,19 @@
           <c:order val="0"/>
           <c:tx>
             <c:strRef>
-              <c:f>'sleep disorder'!$B$1</c:f>
+              <c:f>'Sleep Disorder'!$B$1</c:f>
               <c:strCache>
                 <c:ptCount val="1"/>
                 <c:pt idx="0">
-                  <c:v>CKD Stages 1–2</c:v>
+                  <c:v>No CKD</c:v>
                 </c:pt>
               </c:strCache>
             </c:strRef>
           </c:tx>
           <c:spPr>
-            <a:ln w="41275" cap="rnd">
+            <a:ln w="44450" cap="rnd">
               <a:solidFill>
-                <a:srgbClr val="009999"/>
+                <a:srgbClr val="990099"/>
               </a:solidFill>
               <a:round/>
             </a:ln>
@@ -175,52 +178,19 @@
             <c:size val="5"/>
             <c:spPr>
               <a:solidFill>
-                <a:srgbClr val="009999"/>
+                <a:srgbClr val="990099"/>
               </a:solidFill>
-              <a:ln w="47625">
+              <a:ln w="44450">
                 <a:solidFill>
-                  <a:srgbClr val="009999"/>
+                  <a:srgbClr val="990099"/>
                 </a:solidFill>
               </a:ln>
               <a:effectLst/>
             </c:spPr>
           </c:marker>
-          <c:dPt>
-            <c:idx val="2"/>
-            <c:marker>
-              <c:symbol val="circle"/>
-              <c:size val="5"/>
-              <c:spPr>
-                <a:solidFill>
-                  <a:srgbClr val="009999"/>
-                </a:solidFill>
-                <a:ln w="47625">
-                  <a:solidFill>
-                    <a:srgbClr val="009999"/>
-                  </a:solidFill>
-                </a:ln>
-                <a:effectLst/>
-              </c:spPr>
-            </c:marker>
-            <c:bubble3D val="0"/>
-            <c:spPr>
-              <a:ln w="41275" cap="rnd">
-                <a:solidFill>
-                  <a:srgbClr val="009999"/>
-                </a:solidFill>
-                <a:round/>
-              </a:ln>
-              <a:effectLst/>
-            </c:spPr>
-            <c:extLst>
-              <c:ext xmlns:c16="http://schemas.microsoft.com/office/drawing/2014/chart" uri="{C3380CC4-5D6E-409C-BE32-E72D297353CC}">
-                <c16:uniqueId val="{00000004-21CE-46A7-AD37-7C0721279812}"/>
-              </c:ext>
-            </c:extLst>
-          </c:dPt>
           <c:cat>
             <c:strRef>
-              <c:f>'sleep disorder'!$A$2:$A$4</c:f>
+              <c:f>'Sleep Disorder'!$A$2:$A$4</c:f>
               <c:strCache>
                 <c:ptCount val="3"/>
                 <c:pt idx="0">
@@ -237,18 +207,18 @@
           </c:cat>
           <c:val>
             <c:numRef>
-              <c:f>'sleep disorder'!$B$2:$B$4</c:f>
+              <c:f>'Sleep Disorder'!$B$2:$B$4</c:f>
               <c:numCache>
                 <c:formatCode>0.0</c:formatCode>
                 <c:ptCount val="3"/>
                 <c:pt idx="0">
-                  <c:v>10.3</c:v>
+                  <c:v>7.1</c:v>
                 </c:pt>
                 <c:pt idx="1">
-                  <c:v>12.7</c:v>
+                  <c:v>7.5</c:v>
                 </c:pt>
                 <c:pt idx="2">
-                  <c:v>13.9</c:v>
+                  <c:v>9.4</c:v>
                 </c:pt>
               </c:numCache>
             </c:numRef>
@@ -256,7 +226,7 @@
           <c:smooth val="0"/>
           <c:extLst>
             <c:ext xmlns:c16="http://schemas.microsoft.com/office/drawing/2014/chart" uri="{C3380CC4-5D6E-409C-BE32-E72D297353CC}">
-              <c16:uniqueId val="{00000000-21CE-46A7-AD37-7C0721279812}"/>
+              <c16:uniqueId val="{00000000-C6D1-440E-90DB-7B95A8652AE9}"/>
             </c:ext>
           </c:extLst>
         </c:ser>
@@ -265,21 +235,101 @@
           <c:order val="1"/>
           <c:tx>
             <c:strRef>
-              <c:f>'sleep disorder'!$C$1</c:f>
+              <c:f>'Sleep Disorder'!$C$1</c:f>
               <c:strCache>
                 <c:ptCount val="1"/>
                 <c:pt idx="0">
-                  <c:v>CKD Stages 3–5 </c:v>
+                  <c:v>CKD Stages 1–2</c:v>
                 </c:pt>
               </c:strCache>
             </c:strRef>
           </c:tx>
           <c:spPr>
-            <a:ln w="41275" cap="rnd">
+            <a:ln w="44450" cap="rnd">
               <a:solidFill>
-                <a:schemeClr val="bg2">
-                  <a:lumMod val="75000"/>
-                  <a:alpha val="96000"/>
+                <a:srgbClr val="008080"/>
+              </a:solidFill>
+              <a:round/>
+            </a:ln>
+            <a:effectLst/>
+          </c:spPr>
+          <c:marker>
+            <c:symbol val="circle"/>
+            <c:size val="5"/>
+            <c:spPr>
+              <a:solidFill>
+                <a:srgbClr val="008080"/>
+              </a:solidFill>
+              <a:ln w="44450">
+                <a:solidFill>
+                  <a:srgbClr val="008080"/>
+                </a:solidFill>
+              </a:ln>
+              <a:effectLst/>
+            </c:spPr>
+          </c:marker>
+          <c:cat>
+            <c:strRef>
+              <c:f>'Sleep Disorder'!$A$2:$A$4</c:f>
+              <c:strCache>
+                <c:ptCount val="3"/>
+                <c:pt idx="0">
+                  <c:v>2005–2008</c:v>
+                </c:pt>
+                <c:pt idx="1">
+                  <c:v>2009–2012</c:v>
+                </c:pt>
+                <c:pt idx="2">
+                  <c:v>2013–2016</c:v>
+                </c:pt>
+              </c:strCache>
+            </c:strRef>
+          </c:cat>
+          <c:val>
+            <c:numRef>
+              <c:f>'Sleep Disorder'!$C$2:$C$4</c:f>
+              <c:numCache>
+                <c:formatCode>0.0</c:formatCode>
+                <c:ptCount val="3"/>
+                <c:pt idx="0">
+                  <c:v>9.9</c:v>
+                </c:pt>
+                <c:pt idx="1">
+                  <c:v>12.2</c:v>
+                </c:pt>
+                <c:pt idx="2">
+                  <c:v>13.6</c:v>
+                </c:pt>
+              </c:numCache>
+            </c:numRef>
+          </c:val>
+          <c:smooth val="0"/>
+          <c:extLst>
+            <c:ext xmlns:c16="http://schemas.microsoft.com/office/drawing/2014/chart" uri="{C3380CC4-5D6E-409C-BE32-E72D297353CC}">
+              <c16:uniqueId val="{00000001-C6D1-440E-90DB-7B95A8652AE9}"/>
+            </c:ext>
+          </c:extLst>
+        </c:ser>
+        <c:ser>
+          <c:idx val="2"/>
+          <c:order val="2"/>
+          <c:tx>
+            <c:strRef>
+              <c:f>'Sleep Disorder'!$D$1</c:f>
+              <c:strCache>
+                <c:ptCount val="1"/>
+                <c:pt idx="0">
+                  <c:v>CKD Stages 3–5</c:v>
+                </c:pt>
+              </c:strCache>
+            </c:strRef>
+          </c:tx>
+          <c:spPr>
+            <a:ln w="44450" cap="rnd">
+              <a:solidFill>
+                <a:schemeClr val="tx1">
+                  <a:lumMod val="50000"/>
+                  <a:lumOff val="50000"/>
                 </a:schemeClr>
               </a:solidFill>
               <a:round/>
@@ -291,14 +341,16 @@
             <c:size val="5"/>
             <c:spPr>
               <a:solidFill>
-                <a:schemeClr val="bg2">
-                  <a:lumMod val="75000"/>
+                <a:schemeClr val="tx1">
+                  <a:lumMod val="50000"/>
+                  <a:lumOff val="50000"/>
                 </a:schemeClr>
               </a:solidFill>
-              <a:ln w="47625">
+              <a:ln w="44450">
                 <a:solidFill>
-                  <a:schemeClr val="bg2">
-                    <a:lumMod val="75000"/>
+                  <a:schemeClr val="tx1">
+                    <a:lumMod val="50000"/>
+                    <a:lumOff val="50000"/>
                   </a:schemeClr>
                 </a:solidFill>
               </a:ln>
@@ -307,7 +359,7 @@
           </c:marker>
           <c:cat>
             <c:strRef>
-              <c:f>'sleep disorder'!$A$2:$A$4</c:f>
+              <c:f>'Sleep Disorder'!$A$2:$A$4</c:f>
               <c:strCache>
                 <c:ptCount val="3"/>
                 <c:pt idx="0">
@@ -324,7 +376,7 @@
           </c:cat>
           <c:val>
             <c:numRef>
-              <c:f>'sleep disorder'!$C$2:$C$4</c:f>
+              <c:f>'Sleep Disorder'!$D$2:$D$4</c:f>
               <c:numCache>
                 <c:formatCode>0.0</c:formatCode>
                 <c:ptCount val="3"/>
@@ -343,87 +395,7 @@
           <c:smooth val="0"/>
           <c:extLst>
             <c:ext xmlns:c16="http://schemas.microsoft.com/office/drawing/2014/chart" uri="{C3380CC4-5D6E-409C-BE32-E72D297353CC}">
-              <c16:uniqueId val="{00000001-21CE-46A7-AD37-7C0721279812}"/>
-            </c:ext>
-          </c:extLst>
-        </c:ser>
-        <c:ser>
-          <c:idx val="2"/>
-          <c:order val="2"/>
-          <c:tx>
-            <c:strRef>
-              <c:f>'sleep disorder'!$D$1</c:f>
-              <c:strCache>
-                <c:ptCount val="1"/>
-                <c:pt idx="0">
-                  <c:v>No CKD</c:v>
-                </c:pt>
-              </c:strCache>
-            </c:strRef>
-          </c:tx>
-          <c:spPr>
-            <a:ln w="41275" cap="rnd">
-              <a:solidFill>
-                <a:srgbClr val="7030A0"/>
-              </a:solidFill>
-              <a:round/>
-            </a:ln>
-            <a:effectLst/>
-          </c:spPr>
-          <c:marker>
-            <c:symbol val="circle"/>
-            <c:size val="5"/>
-            <c:spPr>
-              <a:solidFill>
-                <a:srgbClr val="7030A0"/>
-              </a:solidFill>
-              <a:ln w="47625">
-                <a:solidFill>
-                  <a:srgbClr val="7030A0"/>
-                </a:solidFill>
-              </a:ln>
-              <a:effectLst/>
-            </c:spPr>
-          </c:marker>
-          <c:cat>
-            <c:strRef>
-              <c:f>'sleep disorder'!$A$2:$A$4</c:f>
-              <c:strCache>
-                <c:ptCount val="3"/>
-                <c:pt idx="0">
-                  <c:v>2005–2008</c:v>
-                </c:pt>
-                <c:pt idx="1">
-                  <c:v>2009–2012</c:v>
-                </c:pt>
-                <c:pt idx="2">
-                  <c:v>2013–2016</c:v>
-                </c:pt>
-              </c:strCache>
-            </c:strRef>
-          </c:cat>
-          <c:val>
-            <c:numRef>
-              <c:f>'sleep disorder'!$D$2:$D$4</c:f>
-              <c:numCache>
-                <c:formatCode>0.0</c:formatCode>
-                <c:ptCount val="3"/>
-                <c:pt idx="0">
-                  <c:v>7.3</c:v>
-                </c:pt>
-                <c:pt idx="1">
-                  <c:v>7.7</c:v>
-                </c:pt>
-                <c:pt idx="2">
-                  <c:v>9.6999999999999993</c:v>
-                </c:pt>
-              </c:numCache>
-            </c:numRef>
-          </c:val>
-          <c:smooth val="0"/>
-          <c:extLst>
-            <c:ext xmlns:c16="http://schemas.microsoft.com/office/drawing/2014/chart" uri="{C3380CC4-5D6E-409C-BE32-E72D297353CC}">
-              <c16:uniqueId val="{00000002-21CE-46A7-AD37-7C0721279812}"/>
+              <c16:uniqueId val="{00000002-C6D1-440E-90DB-7B95A8652AE9}"/>
             </c:ext>
           </c:extLst>
         </c:ser>
@@ -437,11 +409,11 @@
         </c:dLbls>
         <c:marker val="1"/>
         <c:smooth val="0"/>
-        <c:axId val="1835529744"/>
-        <c:axId val="1835528912"/>
+        <c:axId val="1275744063"/>
+        <c:axId val="1275740735"/>
       </c:lineChart>
       <c:catAx>
-        <c:axId val="1835529744"/>
+        <c:axId val="1275744063"/>
         <c:scaling>
           <c:orientation val="minMax"/>
         </c:scaling>
@@ -469,9 +441,9 @@
           <a:lstStyle/>
           <a:p>
             <a:pPr>
-              <a:defRPr sz="2400" b="0" i="0" u="none" strike="noStrike" kern="1200" baseline="0">
+              <a:defRPr sz="2300" b="0" i="0" u="none" strike="noStrike" kern="1200" baseline="0">
                 <a:solidFill>
-                  <a:schemeClr val="tx1"/>
+                  <a:sysClr val="windowText" lastClr="000000"/>
                 </a:solidFill>
                 <a:latin typeface="+mn-lt"/>
                 <a:ea typeface="+mn-ea"/>
@@ -481,7 +453,7 @@
             <a:endParaRPr lang="en-US"/>
           </a:p>
         </c:txPr>
-        <c:crossAx val="1835528912"/>
+        <c:crossAx val="1275740735"/>
         <c:crosses val="autoZero"/>
         <c:auto val="1"/>
         <c:lblAlgn val="ctr"/>
@@ -489,10 +461,9 @@
         <c:noMultiLvlLbl val="0"/>
       </c:catAx>
       <c:valAx>
-        <c:axId val="1835528912"/>
+        <c:axId val="1275740735"/>
         <c:scaling>
           <c:orientation val="minMax"/>
-          <c:max val="60"/>
         </c:scaling>
         <c:delete val="0"/>
         <c:axPos val="l"/>
@@ -517,9 +488,9 @@
               <a:lstStyle/>
               <a:p>
                 <a:pPr>
-                  <a:defRPr sz="2800" b="0" i="0" u="none" strike="noStrike" kern="1200" baseline="0">
+                  <a:defRPr sz="2400" b="0" i="0" u="none" strike="noStrike" kern="1200" baseline="0">
                     <a:solidFill>
-                      <a:schemeClr val="tx1"/>
+                      <a:sysClr val="windowText" lastClr="000000"/>
                     </a:solidFill>
                     <a:latin typeface="+mn-lt"/>
                     <a:ea typeface="+mn-ea"/>
@@ -527,24 +498,24 @@
                   </a:defRPr>
                 </a:pPr>
                 <a:r>
-                  <a:rPr lang="en-US" sz="2800">
+                  <a:rPr lang="en-US" sz="2400">
                     <a:solidFill>
-                      <a:schemeClr val="tx1"/>
+                      <a:sysClr val="windowText" lastClr="000000"/>
                     </a:solidFill>
                   </a:rPr>
                   <a:t>Sleep</a:t>
                 </a:r>
                 <a:r>
-                  <a:rPr lang="en-US" sz="2800" baseline="0">
+                  <a:rPr lang="en-US" sz="2400" baseline="0">
                     <a:solidFill>
-                      <a:schemeClr val="tx1"/>
+                      <a:sysClr val="windowText" lastClr="000000"/>
                     </a:solidFill>
                   </a:rPr>
                   <a:t> Disorder (%)</a:t>
                 </a:r>
-                <a:endParaRPr lang="en-US" sz="2800">
+                <a:endParaRPr lang="en-US" sz="2400">
                   <a:solidFill>
-                    <a:schemeClr val="tx1"/>
+                    <a:sysClr val="windowText" lastClr="000000"/>
                   </a:solidFill>
                 </a:endParaRPr>
               </a:p>
@@ -554,8 +525,8 @@
             <c:manualLayout>
               <c:xMode val="edge"/>
               <c:yMode val="edge"/>
-              <c:x val="3.2707621931825468E-3"/>
-              <c:y val="8.722000292581758E-2"/>
+              <c:x val="0"/>
+              <c:y val="0.13116326657080382"/>
             </c:manualLayout>
           </c:layout>
           <c:overlay val="0"/>
@@ -571,9 +542,9 @@
             <a:lstStyle/>
             <a:p>
               <a:pPr>
-                <a:defRPr sz="2800" b="0" i="0" u="none" strike="noStrike" kern="1200" baseline="0">
+                <a:defRPr sz="2400" b="0" i="0" u="none" strike="noStrike" kern="1200" baseline="0">
                   <a:solidFill>
-                    <a:schemeClr val="tx1"/>
+                    <a:sysClr val="windowText" lastClr="000000"/>
                   </a:solidFill>
                   <a:latin typeface="+mn-lt"/>
                   <a:ea typeface="+mn-ea"/>
@@ -600,9 +571,9 @@
           <a:lstStyle/>
           <a:p>
             <a:pPr>
-              <a:defRPr sz="2400" b="0" i="0" u="none" strike="noStrike" kern="1200" baseline="0">
+              <a:defRPr sz="2300" b="0" i="0" u="none" strike="noStrike" kern="1200" baseline="0">
                 <a:solidFill>
-                  <a:schemeClr val="tx1"/>
+                  <a:sysClr val="windowText" lastClr="000000"/>
                 </a:solidFill>
                 <a:latin typeface="+mn-lt"/>
                 <a:ea typeface="+mn-ea"/>
@@ -612,10 +583,9 @@
             <a:endParaRPr lang="en-US"/>
           </a:p>
         </c:txPr>
-        <c:crossAx val="1835529744"/>
+        <c:crossAx val="1275744063"/>
         <c:crosses val="autoZero"/>
         <c:crossBetween val="between"/>
-        <c:majorUnit val="10"/>
       </c:valAx>
       <c:spPr>
         <a:noFill/>
@@ -627,6 +597,16 @@
     </c:plotArea>
     <c:legend>
       <c:legendPos val="b"/>
+      <c:layout>
+        <c:manualLayout>
+          <c:xMode val="edge"/>
+          <c:yMode val="edge"/>
+          <c:x val="0.26716037296262907"/>
+          <c:y val="0.91009211517537569"/>
+          <c:w val="0.5177625916800026"/>
+          <c:h val="8.7230975925103885E-2"/>
+        </c:manualLayout>
+      </c:layout>
       <c:overlay val="0"/>
       <c:spPr>
         <a:noFill/>
@@ -640,9 +620,9 @@
         <a:lstStyle/>
         <a:p>
           <a:pPr>
-            <a:defRPr sz="2400" b="0" i="0" u="none" strike="noStrike" kern="1200" baseline="0">
+            <a:defRPr sz="2200" b="0" i="0" u="none" strike="noStrike" kern="1200" baseline="0">
               <a:solidFill>
-                <a:schemeClr val="tx1"/>
+                <a:sysClr val="windowText" lastClr="000000"/>
               </a:solidFill>
               <a:latin typeface="+mn-lt"/>
               <a:ea typeface="+mn-ea"/>
@@ -665,9 +645,12 @@
     <c:showDLblsOverMax val="0"/>
   </c:chart>
   <c:spPr>
-    <a:noFill/>
-    <a:ln>
+    <a:solidFill>
+      <a:schemeClr val="bg1"/>
+    </a:solidFill>
+    <a:ln w="9525" cap="flat" cmpd="sng" algn="ctr">
       <a:noFill/>
+      <a:round/>
     </a:ln>
     <a:effectLst/>
   </c:spPr>
@@ -712,19 +695,19 @@
           <c:order val="0"/>
           <c:tx>
             <c:strRef>
-              <c:f>Nocturia!$B$1</c:f>
+              <c:f>'Sleep Disorder'!$B$23</c:f>
               <c:strCache>
                 <c:ptCount val="1"/>
                 <c:pt idx="0">
-                  <c:v>CKD Stages 1–2</c:v>
+                  <c:v>No CKD</c:v>
                 </c:pt>
               </c:strCache>
             </c:strRef>
           </c:tx>
           <c:spPr>
-            <a:ln w="41275" cap="rnd">
+            <a:ln w="44450" cap="rnd">
               <a:solidFill>
-                <a:srgbClr val="009999"/>
+                <a:srgbClr val="990099"/>
               </a:solidFill>
               <a:round/>
             </a:ln>
@@ -735,11 +718,11 @@
             <c:size val="5"/>
             <c:spPr>
               <a:solidFill>
-                <a:srgbClr val="009999"/>
+                <a:srgbClr val="990099"/>
               </a:solidFill>
-              <a:ln w="47625">
+              <a:ln w="44450">
                 <a:solidFill>
-                  <a:srgbClr val="009999"/>
+                  <a:srgbClr val="990099"/>
                 </a:solidFill>
               </a:ln>
               <a:effectLst/>
@@ -747,9 +730,9 @@
           </c:marker>
           <c:cat>
             <c:strRef>
-              <c:f>Nocturia!$A$2:$A$5</c:f>
+              <c:f>'Sleep Disorder'!$A$24:$A$26</c:f>
               <c:strCache>
-                <c:ptCount val="4"/>
+                <c:ptCount val="3"/>
                 <c:pt idx="0">
                   <c:v>2005–2008</c:v>
                 </c:pt>
@@ -758,30 +741,24 @@
                 </c:pt>
                 <c:pt idx="2">
                   <c:v>2013–2016</c:v>
-                </c:pt>
-                <c:pt idx="3">
-                  <c:v>2017–2020</c:v>
                 </c:pt>
               </c:strCache>
             </c:strRef>
           </c:cat>
           <c:val>
             <c:numRef>
-              <c:f>Nocturia!$B$2:$B$5</c:f>
+              <c:f>'Sleep Disorder'!$B$24:$B$26</c:f>
               <c:numCache>
                 <c:formatCode>0.0</c:formatCode>
-                <c:ptCount val="4"/>
+                <c:ptCount val="3"/>
                 <c:pt idx="0">
-                  <c:v>35.299999999999997</c:v>
+                  <c:v>7.3</c:v>
                 </c:pt>
                 <c:pt idx="1">
-                  <c:v>39.1</c:v>
+                  <c:v>7.7</c:v>
                 </c:pt>
                 <c:pt idx="2">
-                  <c:v>41</c:v>
-                </c:pt>
-                <c:pt idx="3">
-                  <c:v>40.5</c:v>
+                  <c:v>9.5</c:v>
                 </c:pt>
               </c:numCache>
             </c:numRef>
@@ -789,7 +766,7 @@
           <c:smooth val="0"/>
           <c:extLst>
             <c:ext xmlns:c16="http://schemas.microsoft.com/office/drawing/2014/chart" uri="{C3380CC4-5D6E-409C-BE32-E72D297353CC}">
-              <c16:uniqueId val="{00000000-D359-42DF-A66D-D4CA2D080F2E}"/>
+              <c16:uniqueId val="{00000000-94EB-4FA9-BD87-B15E43D87390}"/>
             </c:ext>
           </c:extLst>
         </c:ser>
@@ -798,20 +775,101 @@
           <c:order val="1"/>
           <c:tx>
             <c:strRef>
-              <c:f>Nocturia!$C$1</c:f>
+              <c:f>'Sleep Disorder'!$C$23</c:f>
               <c:strCache>
                 <c:ptCount val="1"/>
                 <c:pt idx="0">
-                  <c:v>CKD Stages 3–5 </c:v>
+                  <c:v>CKD Stages 1–2</c:v>
                 </c:pt>
               </c:strCache>
             </c:strRef>
           </c:tx>
           <c:spPr>
-            <a:ln w="41275" cap="rnd">
+            <a:ln w="44450" cap="rnd">
               <a:solidFill>
-                <a:schemeClr val="bg2">
-                  <a:lumMod val="75000"/>
+                <a:srgbClr val="008080"/>
+              </a:solidFill>
+              <a:round/>
+            </a:ln>
+            <a:effectLst/>
+          </c:spPr>
+          <c:marker>
+            <c:symbol val="circle"/>
+            <c:size val="5"/>
+            <c:spPr>
+              <a:solidFill>
+                <a:srgbClr val="008080"/>
+              </a:solidFill>
+              <a:ln w="44450">
+                <a:solidFill>
+                  <a:srgbClr val="008080"/>
+                </a:solidFill>
+              </a:ln>
+              <a:effectLst/>
+            </c:spPr>
+          </c:marker>
+          <c:cat>
+            <c:strRef>
+              <c:f>'Sleep Disorder'!$A$24:$A$26</c:f>
+              <c:strCache>
+                <c:ptCount val="3"/>
+                <c:pt idx="0">
+                  <c:v>2005–2008</c:v>
+                </c:pt>
+                <c:pt idx="1">
+                  <c:v>2009–2012</c:v>
+                </c:pt>
+                <c:pt idx="2">
+                  <c:v>2013–2016</c:v>
+                </c:pt>
+              </c:strCache>
+            </c:strRef>
+          </c:cat>
+          <c:val>
+            <c:numRef>
+              <c:f>'Sleep Disorder'!$C$24:$C$26</c:f>
+              <c:numCache>
+                <c:formatCode>0.0</c:formatCode>
+                <c:ptCount val="3"/>
+                <c:pt idx="0">
+                  <c:v>10</c:v>
+                </c:pt>
+                <c:pt idx="1">
+                  <c:v>11.5</c:v>
+                </c:pt>
+                <c:pt idx="2">
+                  <c:v>13.5</c:v>
+                </c:pt>
+              </c:numCache>
+            </c:numRef>
+          </c:val>
+          <c:smooth val="0"/>
+          <c:extLst>
+            <c:ext xmlns:c16="http://schemas.microsoft.com/office/drawing/2014/chart" uri="{C3380CC4-5D6E-409C-BE32-E72D297353CC}">
+              <c16:uniqueId val="{00000001-94EB-4FA9-BD87-B15E43D87390}"/>
+            </c:ext>
+          </c:extLst>
+        </c:ser>
+        <c:ser>
+          <c:idx val="2"/>
+          <c:order val="2"/>
+          <c:tx>
+            <c:strRef>
+              <c:f>'Sleep Disorder'!$D$23</c:f>
+              <c:strCache>
+                <c:ptCount val="1"/>
+                <c:pt idx="0">
+                  <c:v>CKD Stages 3–5</c:v>
+                </c:pt>
+              </c:strCache>
+            </c:strRef>
+          </c:tx>
+          <c:spPr>
+            <a:ln w="44450" cap="rnd">
+              <a:solidFill>
+                <a:schemeClr val="tx1">
+                  <a:lumMod val="50000"/>
+                  <a:lumOff val="50000"/>
                 </a:schemeClr>
               </a:solidFill>
               <a:round/>
@@ -823,14 +881,16 @@
             <c:size val="5"/>
             <c:spPr>
               <a:solidFill>
-                <a:schemeClr val="bg2">
-                  <a:lumMod val="75000"/>
+                <a:schemeClr val="tx1">
+                  <a:lumMod val="50000"/>
+                  <a:lumOff val="50000"/>
                 </a:schemeClr>
               </a:solidFill>
-              <a:ln w="47625">
+              <a:ln w="44450">
                 <a:solidFill>
-                  <a:schemeClr val="bg2">
-                    <a:lumMod val="75000"/>
+                  <a:schemeClr val="tx1">
+                    <a:lumMod val="50000"/>
+                    <a:lumOff val="50000"/>
                   </a:schemeClr>
                 </a:solidFill>
               </a:ln>
@@ -839,9 +899,9 @@
           </c:marker>
           <c:cat>
             <c:strRef>
-              <c:f>Nocturia!$A$2:$A$5</c:f>
+              <c:f>'Sleep Disorder'!$A$24:$A$26</c:f>
               <c:strCache>
-                <c:ptCount val="4"/>
+                <c:ptCount val="3"/>
                 <c:pt idx="0">
                   <c:v>2005–2008</c:v>
                 </c:pt>
@@ -850,30 +910,24 @@
                 </c:pt>
                 <c:pt idx="2">
                   <c:v>2013–2016</c:v>
-                </c:pt>
-                <c:pt idx="3">
-                  <c:v>2017–2020</c:v>
                 </c:pt>
               </c:strCache>
             </c:strRef>
           </c:cat>
           <c:val>
             <c:numRef>
-              <c:f>Nocturia!$C$2:$C$5</c:f>
+              <c:f>'Sleep Disorder'!$D$24:$D$26</c:f>
               <c:numCache>
                 <c:formatCode>0.0</c:formatCode>
-                <c:ptCount val="4"/>
+                <c:ptCount val="3"/>
                 <c:pt idx="0">
-                  <c:v>50</c:v>
+                  <c:v>6.8</c:v>
                 </c:pt>
                 <c:pt idx="1">
-                  <c:v>48.1</c:v>
+                  <c:v>12</c:v>
                 </c:pt>
                 <c:pt idx="2">
-                  <c:v>46.2</c:v>
-                </c:pt>
-                <c:pt idx="3">
-                  <c:v>49.7</c:v>
+                  <c:v>14.6</c:v>
                 </c:pt>
               </c:numCache>
             </c:numRef>
@@ -881,93 +935,7 @@
           <c:smooth val="0"/>
           <c:extLst>
             <c:ext xmlns:c16="http://schemas.microsoft.com/office/drawing/2014/chart" uri="{C3380CC4-5D6E-409C-BE32-E72D297353CC}">
-              <c16:uniqueId val="{00000001-D359-42DF-A66D-D4CA2D080F2E}"/>
-            </c:ext>
-          </c:extLst>
-        </c:ser>
-        <c:ser>
-          <c:idx val="2"/>
-          <c:order val="2"/>
-          <c:tx>
-            <c:strRef>
-              <c:f>Nocturia!$D$1</c:f>
-              <c:strCache>
-                <c:ptCount val="1"/>
-                <c:pt idx="0">
-                  <c:v>No CKD</c:v>
-                </c:pt>
-              </c:strCache>
-            </c:strRef>
-          </c:tx>
-          <c:spPr>
-            <a:ln w="41275" cap="rnd">
-              <a:solidFill>
-                <a:srgbClr val="7030A0"/>
-              </a:solidFill>
-              <a:round/>
-            </a:ln>
-            <a:effectLst/>
-          </c:spPr>
-          <c:marker>
-            <c:symbol val="circle"/>
-            <c:size val="5"/>
-            <c:spPr>
-              <a:solidFill>
-                <a:srgbClr val="7030A0"/>
-              </a:solidFill>
-              <a:ln w="47625">
-                <a:solidFill>
-                  <a:srgbClr val="7030A0"/>
-                </a:solidFill>
-              </a:ln>
-              <a:effectLst/>
-            </c:spPr>
-          </c:marker>
-          <c:cat>
-            <c:strRef>
-              <c:f>Nocturia!$A$2:$A$5</c:f>
-              <c:strCache>
-                <c:ptCount val="4"/>
-                <c:pt idx="0">
-                  <c:v>2005–2008</c:v>
-                </c:pt>
-                <c:pt idx="1">
-                  <c:v>2009–2012</c:v>
-                </c:pt>
-                <c:pt idx="2">
-                  <c:v>2013–2016</c:v>
-                </c:pt>
-                <c:pt idx="3">
-                  <c:v>2017–2020</c:v>
-                </c:pt>
-              </c:strCache>
-            </c:strRef>
-          </c:cat>
-          <c:val>
-            <c:numRef>
-              <c:f>Nocturia!$D$2:$D$5</c:f>
-              <c:numCache>
-                <c:formatCode>0.0</c:formatCode>
-                <c:ptCount val="4"/>
-                <c:pt idx="0">
-                  <c:v>21.1</c:v>
-                </c:pt>
-                <c:pt idx="1">
-                  <c:v>21.5</c:v>
-                </c:pt>
-                <c:pt idx="2">
-                  <c:v>24.6</c:v>
-                </c:pt>
-                <c:pt idx="3">
-                  <c:v>25.5</c:v>
-                </c:pt>
-              </c:numCache>
-            </c:numRef>
-          </c:val>
-          <c:smooth val="0"/>
-          <c:extLst>
-            <c:ext xmlns:c16="http://schemas.microsoft.com/office/drawing/2014/chart" uri="{C3380CC4-5D6E-409C-BE32-E72D297353CC}">
-              <c16:uniqueId val="{00000002-D359-42DF-A66D-D4CA2D080F2E}"/>
+              <c16:uniqueId val="{00000002-94EB-4FA9-BD87-B15E43D87390}"/>
             </c:ext>
           </c:extLst>
         </c:ser>
@@ -981,11 +949,11 @@
         </c:dLbls>
         <c:marker val="1"/>
         <c:smooth val="0"/>
-        <c:axId val="1956819104"/>
-        <c:axId val="1956821184"/>
+        <c:axId val="1277908511"/>
+        <c:axId val="1275080831"/>
       </c:lineChart>
       <c:catAx>
-        <c:axId val="1956819104"/>
+        <c:axId val="1277908511"/>
         <c:scaling>
           <c:orientation val="minMax"/>
         </c:scaling>
@@ -1013,9 +981,9 @@
           <a:lstStyle/>
           <a:p>
             <a:pPr>
-              <a:defRPr sz="2400" b="0" i="0" u="none" strike="noStrike" kern="1200" baseline="0">
+              <a:defRPr sz="2300" b="0" i="0" u="none" strike="noStrike" kern="1200" baseline="0">
                 <a:solidFill>
-                  <a:schemeClr val="tx1"/>
+                  <a:sysClr val="windowText" lastClr="000000"/>
                 </a:solidFill>
                 <a:latin typeface="+mn-lt"/>
                 <a:ea typeface="+mn-ea"/>
@@ -1025,7 +993,7 @@
             <a:endParaRPr lang="en-US"/>
           </a:p>
         </c:txPr>
-        <c:crossAx val="1956821184"/>
+        <c:crossAx val="1275080831"/>
         <c:crosses val="autoZero"/>
         <c:auto val="1"/>
         <c:lblAlgn val="ctr"/>
@@ -1033,9 +1001,10 @@
         <c:noMultiLvlLbl val="0"/>
       </c:catAx>
       <c:valAx>
-        <c:axId val="1956821184"/>
+        <c:axId val="1275080831"/>
         <c:scaling>
           <c:orientation val="minMax"/>
+          <c:max val="18"/>
         </c:scaling>
         <c:delete val="0"/>
         <c:axPos val="l"/>
@@ -1060,9 +1029,9 @@
               <a:lstStyle/>
               <a:p>
                 <a:pPr>
-                  <a:defRPr sz="2800" b="0" i="0" u="none" strike="noStrike" kern="1200" baseline="0">
+                  <a:defRPr sz="2400" b="0" i="0" u="none" strike="noStrike" kern="1200" baseline="0">
                     <a:solidFill>
-                      <a:schemeClr val="tx1"/>
+                      <a:sysClr val="windowText" lastClr="000000"/>
                     </a:solidFill>
                     <a:latin typeface="+mn-lt"/>
                     <a:ea typeface="+mn-ea"/>
@@ -1070,24 +1039,24 @@
                   </a:defRPr>
                 </a:pPr>
                 <a:r>
-                  <a:rPr lang="en-US" sz="2800">
+                  <a:rPr lang="en-US" sz="2400">
                     <a:solidFill>
-                      <a:schemeClr val="tx1"/>
+                      <a:sysClr val="windowText" lastClr="000000"/>
                     </a:solidFill>
                   </a:rPr>
-                  <a:t>Nocturia</a:t>
+                  <a:t>Sleep</a:t>
                 </a:r>
                 <a:r>
-                  <a:rPr lang="en-US" sz="2800" baseline="0">
+                  <a:rPr lang="en-US" sz="2400" baseline="0">
                     <a:solidFill>
-                      <a:schemeClr val="tx1"/>
+                      <a:sysClr val="windowText" lastClr="000000"/>
                     </a:solidFill>
                   </a:rPr>
-                  <a:t> (%)</a:t>
+                  <a:t> Disorder (%)</a:t>
                 </a:r>
-                <a:endParaRPr lang="en-US" sz="2800">
+                <a:endParaRPr lang="en-US" sz="2400">
                   <a:solidFill>
-                    <a:schemeClr val="tx1"/>
+                    <a:sysClr val="windowText" lastClr="000000"/>
                   </a:solidFill>
                 </a:endParaRPr>
               </a:p>
@@ -1097,8 +1066,8 @@
             <c:manualLayout>
               <c:xMode val="edge"/>
               <c:yMode val="edge"/>
-              <c:x val="3.308400785054851E-3"/>
-              <c:y val="0.15456882813238332"/>
+              <c:x val="0"/>
+              <c:y val="0.13013015149993923"/>
             </c:manualLayout>
           </c:layout>
           <c:overlay val="0"/>
@@ -1114,9 +1083,9 @@
             <a:lstStyle/>
             <a:p>
               <a:pPr>
-                <a:defRPr sz="2800" b="0" i="0" u="none" strike="noStrike" kern="1200" baseline="0">
+                <a:defRPr sz="2400" b="0" i="0" u="none" strike="noStrike" kern="1200" baseline="0">
                   <a:solidFill>
-                    <a:schemeClr val="tx1"/>
+                    <a:sysClr val="windowText" lastClr="000000"/>
                   </a:solidFill>
                   <a:latin typeface="+mn-lt"/>
                   <a:ea typeface="+mn-ea"/>
@@ -1143,9 +1112,9 @@
           <a:lstStyle/>
           <a:p>
             <a:pPr>
-              <a:defRPr sz="2400" b="0" i="0" u="none" strike="noStrike" kern="1200" baseline="0">
+              <a:defRPr sz="2300" b="0" i="0" u="none" strike="noStrike" kern="1200" baseline="0">
                 <a:solidFill>
-                  <a:schemeClr val="tx1"/>
+                  <a:sysClr val="windowText" lastClr="000000"/>
                 </a:solidFill>
                 <a:latin typeface="+mn-lt"/>
                 <a:ea typeface="+mn-ea"/>
@@ -1155,7 +1124,7 @@
             <a:endParaRPr lang="en-US"/>
           </a:p>
         </c:txPr>
-        <c:crossAx val="1956819104"/>
+        <c:crossAx val="1277908511"/>
         <c:crosses val="autoZero"/>
         <c:crossBetween val="between"/>
       </c:valAx>
@@ -1169,6 +1138,16 @@
     </c:plotArea>
     <c:legend>
       <c:legendPos val="b"/>
+      <c:layout>
+        <c:manualLayout>
+          <c:xMode val="edge"/>
+          <c:yMode val="edge"/>
+          <c:x val="0.26195203920210297"/>
+          <c:y val="0.91252466431692925"/>
+          <c:w val="0.5177625916800026"/>
+          <c:h val="8.7475335683070796E-2"/>
+        </c:manualLayout>
+      </c:layout>
       <c:overlay val="0"/>
       <c:spPr>
         <a:noFill/>
@@ -1182,9 +1161,9 @@
         <a:lstStyle/>
         <a:p>
           <a:pPr>
-            <a:defRPr sz="2400" b="0" i="0" u="none" strike="noStrike" kern="1200" baseline="0">
+            <a:defRPr sz="2200" b="0" i="0" u="none" strike="noStrike" kern="1200" baseline="0">
               <a:solidFill>
-                <a:schemeClr val="tx1"/>
+                <a:sysClr val="windowText" lastClr="000000"/>
               </a:solidFill>
               <a:latin typeface="+mn-lt"/>
               <a:ea typeface="+mn-ea"/>
@@ -1207,9 +1186,12 @@
     <c:showDLblsOverMax val="0"/>
   </c:chart>
   <c:spPr>
-    <a:noFill/>
-    <a:ln>
+    <a:solidFill>
+      <a:schemeClr val="bg1"/>
+    </a:solidFill>
+    <a:ln w="9525" cap="flat" cmpd="sng" algn="ctr">
       <a:noFill/>
+      <a:round/>
     </a:ln>
     <a:effectLst/>
   </c:spPr>
@@ -1254,19 +1236,19 @@
           <c:order val="0"/>
           <c:tx>
             <c:strRef>
-              <c:f>'trouble sleeping'!$B$1</c:f>
+              <c:f>'Trouble sleeping'!$B$1</c:f>
               <c:strCache>
                 <c:ptCount val="1"/>
                 <c:pt idx="0">
-                  <c:v>CKD Stages 1–2</c:v>
+                  <c:v>No CKD</c:v>
                 </c:pt>
               </c:strCache>
             </c:strRef>
           </c:tx>
           <c:spPr>
-            <a:ln w="41275" cap="rnd">
+            <a:ln w="44450" cap="rnd">
               <a:solidFill>
-                <a:srgbClr val="009999"/>
+                <a:srgbClr val="990099"/>
               </a:solidFill>
               <a:round/>
             </a:ln>
@@ -1277,11 +1259,11 @@
             <c:size val="5"/>
             <c:spPr>
               <a:solidFill>
-                <a:srgbClr val="009999"/>
+                <a:srgbClr val="990099"/>
               </a:solidFill>
-              <a:ln w="47625">
+              <a:ln w="44450">
                 <a:solidFill>
-                  <a:srgbClr val="009999"/>
+                  <a:srgbClr val="800080"/>
                 </a:solidFill>
               </a:ln>
               <a:effectLst/>
@@ -1289,7 +1271,7 @@
           </c:marker>
           <c:cat>
             <c:strRef>
-              <c:f>'trouble sleeping'!$A$2:$A$5</c:f>
+              <c:f>'Trouble sleeping'!$A$2:$A$5</c:f>
               <c:strCache>
                 <c:ptCount val="4"/>
                 <c:pt idx="0">
@@ -1309,21 +1291,21 @@
           </c:cat>
           <c:val>
             <c:numRef>
-              <c:f>'trouble sleeping'!$B$2:$B$5</c:f>
+              <c:f>'Trouble sleeping'!$B$2:$B$5</c:f>
               <c:numCache>
                 <c:formatCode>0.0</c:formatCode>
                 <c:ptCount val="4"/>
                 <c:pt idx="0">
-                  <c:v>29.1</c:v>
+                  <c:v>23.5</c:v>
                 </c:pt>
                 <c:pt idx="1">
-                  <c:v>29.7</c:v>
+                  <c:v>25.2</c:v>
                 </c:pt>
                 <c:pt idx="2">
-                  <c:v>31.9</c:v>
+                  <c:v>27.7</c:v>
                 </c:pt>
                 <c:pt idx="3">
-                  <c:v>31.8</c:v>
+                  <c:v>30.2</c:v>
                 </c:pt>
               </c:numCache>
             </c:numRef>
@@ -1331,7 +1313,7 @@
           <c:smooth val="0"/>
           <c:extLst>
             <c:ext xmlns:c16="http://schemas.microsoft.com/office/drawing/2014/chart" uri="{C3380CC4-5D6E-409C-BE32-E72D297353CC}">
-              <c16:uniqueId val="{00000000-768A-4DF9-8B21-6ADC683D0BD9}"/>
+              <c16:uniqueId val="{00000000-42C9-45FD-9A2D-A9C4E0144102}"/>
             </c:ext>
           </c:extLst>
         </c:ser>
@@ -1340,20 +1322,108 @@
           <c:order val="1"/>
           <c:tx>
             <c:strRef>
-              <c:f>'trouble sleeping'!$C$1</c:f>
+              <c:f>'Trouble sleeping'!$C$1</c:f>
               <c:strCache>
                 <c:ptCount val="1"/>
                 <c:pt idx="0">
-                  <c:v>CKD Stages 3–5 </c:v>
+                  <c:v>CKD Stages 1–2</c:v>
                 </c:pt>
               </c:strCache>
             </c:strRef>
           </c:tx>
           <c:spPr>
-            <a:ln w="41275" cap="rnd">
+            <a:ln w="44450" cap="rnd">
               <a:solidFill>
-                <a:schemeClr val="bg2">
-                  <a:lumMod val="75000"/>
+                <a:srgbClr val="008080"/>
+              </a:solidFill>
+              <a:round/>
+            </a:ln>
+            <a:effectLst/>
+          </c:spPr>
+          <c:marker>
+            <c:symbol val="circle"/>
+            <c:size val="5"/>
+            <c:spPr>
+              <a:solidFill>
+                <a:srgbClr val="008080"/>
+              </a:solidFill>
+              <a:ln w="44450">
+                <a:solidFill>
+                  <a:srgbClr val="008080"/>
+                </a:solidFill>
+              </a:ln>
+              <a:effectLst/>
+            </c:spPr>
+          </c:marker>
+          <c:cat>
+            <c:strRef>
+              <c:f>'Trouble sleeping'!$A$2:$A$5</c:f>
+              <c:strCache>
+                <c:ptCount val="4"/>
+                <c:pt idx="0">
+                  <c:v>2005–2008</c:v>
+                </c:pt>
+                <c:pt idx="1">
+                  <c:v>2009–2012</c:v>
+                </c:pt>
+                <c:pt idx="2">
+                  <c:v>2013–2016</c:v>
+                </c:pt>
+                <c:pt idx="3">
+                  <c:v>2017–2020</c:v>
+                </c:pt>
+              </c:strCache>
+            </c:strRef>
+          </c:cat>
+          <c:val>
+            <c:numRef>
+              <c:f>'Trouble sleeping'!$C$2:$C$5</c:f>
+              <c:numCache>
+                <c:formatCode>0.0</c:formatCode>
+                <c:ptCount val="4"/>
+                <c:pt idx="0">
+                  <c:v>28.9</c:v>
+                </c:pt>
+                <c:pt idx="1">
+                  <c:v>28.9</c:v>
+                </c:pt>
+                <c:pt idx="2">
+                  <c:v>31.9</c:v>
+                </c:pt>
+                <c:pt idx="3">
+                  <c:v>30.1</c:v>
+                </c:pt>
+              </c:numCache>
+            </c:numRef>
+          </c:val>
+          <c:smooth val="0"/>
+          <c:extLst>
+            <c:ext xmlns:c16="http://schemas.microsoft.com/office/drawing/2014/chart" uri="{C3380CC4-5D6E-409C-BE32-E72D297353CC}">
+              <c16:uniqueId val="{00000001-42C9-45FD-9A2D-A9C4E0144102}"/>
+            </c:ext>
+          </c:extLst>
+        </c:ser>
+        <c:ser>
+          <c:idx val="2"/>
+          <c:order val="2"/>
+          <c:tx>
+            <c:strRef>
+              <c:f>'Trouble sleeping'!$D$1</c:f>
+              <c:strCache>
+                <c:ptCount val="1"/>
+                <c:pt idx="0">
+                  <c:v>CKD Stages 3–5</c:v>
+                </c:pt>
+              </c:strCache>
+            </c:strRef>
+          </c:tx>
+          <c:spPr>
+            <a:ln w="44450" cap="rnd">
+              <a:solidFill>
+                <a:schemeClr val="tx1">
+                  <a:lumMod val="50000"/>
+                  <a:lumOff val="50000"/>
+                  <a:alpha val="98000"/>
                 </a:schemeClr>
               </a:solidFill>
               <a:round/>
@@ -1365,14 +1435,16 @@
             <c:size val="5"/>
             <c:spPr>
               <a:solidFill>
-                <a:schemeClr val="bg2">
-                  <a:lumMod val="75000"/>
+                <a:schemeClr val="tx1">
+                  <a:lumMod val="50000"/>
+                  <a:lumOff val="50000"/>
                 </a:schemeClr>
               </a:solidFill>
-              <a:ln w="47625">
+              <a:ln w="44450">
                 <a:solidFill>
-                  <a:schemeClr val="bg2">
-                    <a:lumMod val="75000"/>
+                  <a:schemeClr val="tx1">
+                    <a:lumMod val="50000"/>
+                    <a:lumOff val="50000"/>
                   </a:schemeClr>
                 </a:solidFill>
               </a:ln>
@@ -1381,7 +1453,7 @@
           </c:marker>
           <c:cat>
             <c:strRef>
-              <c:f>'trouble sleeping'!$A$2:$A$5</c:f>
+              <c:f>'Trouble sleeping'!$A$2:$A$5</c:f>
               <c:strCache>
                 <c:ptCount val="4"/>
                 <c:pt idx="0">
@@ -1401,7 +1473,7 @@
           </c:cat>
           <c:val>
             <c:numRef>
-              <c:f>'trouble sleeping'!$C$2:$C$5</c:f>
+              <c:f>'Trouble sleeping'!$D$2:$D$5</c:f>
               <c:numCache>
                 <c:formatCode>0.0</c:formatCode>
                 <c:ptCount val="4"/>
@@ -1415,7 +1487,7 @@
                   <c:v>43.3</c:v>
                 </c:pt>
                 <c:pt idx="3">
-                  <c:v>37.4</c:v>
+                  <c:v>37.1</c:v>
                 </c:pt>
               </c:numCache>
             </c:numRef>
@@ -1423,93 +1495,7 @@
           <c:smooth val="0"/>
           <c:extLst>
             <c:ext xmlns:c16="http://schemas.microsoft.com/office/drawing/2014/chart" uri="{C3380CC4-5D6E-409C-BE32-E72D297353CC}">
-              <c16:uniqueId val="{00000001-768A-4DF9-8B21-6ADC683D0BD9}"/>
-            </c:ext>
-          </c:extLst>
-        </c:ser>
-        <c:ser>
-          <c:idx val="2"/>
-          <c:order val="2"/>
-          <c:tx>
-            <c:strRef>
-              <c:f>'trouble sleeping'!$D$1</c:f>
-              <c:strCache>
-                <c:ptCount val="1"/>
-                <c:pt idx="0">
-                  <c:v>No CKD</c:v>
-                </c:pt>
-              </c:strCache>
-            </c:strRef>
-          </c:tx>
-          <c:spPr>
-            <a:ln w="41275" cap="rnd">
-              <a:solidFill>
-                <a:srgbClr val="7030A0"/>
-              </a:solidFill>
-              <a:round/>
-            </a:ln>
-            <a:effectLst/>
-          </c:spPr>
-          <c:marker>
-            <c:symbol val="circle"/>
-            <c:size val="5"/>
-            <c:spPr>
-              <a:solidFill>
-                <a:srgbClr val="7030A0"/>
-              </a:solidFill>
-              <a:ln w="47625">
-                <a:solidFill>
-                  <a:srgbClr val="7030A0"/>
-                </a:solidFill>
-              </a:ln>
-              <a:effectLst/>
-            </c:spPr>
-          </c:marker>
-          <c:cat>
-            <c:strRef>
-              <c:f>'trouble sleeping'!$A$2:$A$5</c:f>
-              <c:strCache>
-                <c:ptCount val="4"/>
-                <c:pt idx="0">
-                  <c:v>2005–2008</c:v>
-                </c:pt>
-                <c:pt idx="1">
-                  <c:v>2009–2012</c:v>
-                </c:pt>
-                <c:pt idx="2">
-                  <c:v>2013–2016</c:v>
-                </c:pt>
-                <c:pt idx="3">
-                  <c:v>2017–2020</c:v>
-                </c:pt>
-              </c:strCache>
-            </c:strRef>
-          </c:cat>
-          <c:val>
-            <c:numRef>
-              <c:f>'trouble sleeping'!$D$2:$D$5</c:f>
-              <c:numCache>
-                <c:formatCode>0.0</c:formatCode>
-                <c:ptCount val="4"/>
-                <c:pt idx="0">
-                  <c:v>24</c:v>
-                </c:pt>
-                <c:pt idx="1">
-                  <c:v>25.7</c:v>
-                </c:pt>
-                <c:pt idx="2">
-                  <c:v>28.1</c:v>
-                </c:pt>
-                <c:pt idx="3">
-                  <c:v>30.5</c:v>
-                </c:pt>
-              </c:numCache>
-            </c:numRef>
-          </c:val>
-          <c:smooth val="0"/>
-          <c:extLst>
-            <c:ext xmlns:c16="http://schemas.microsoft.com/office/drawing/2014/chart" uri="{C3380CC4-5D6E-409C-BE32-E72D297353CC}">
-              <c16:uniqueId val="{00000002-768A-4DF9-8B21-6ADC683D0BD9}"/>
+              <c16:uniqueId val="{00000002-42C9-45FD-9A2D-A9C4E0144102}"/>
             </c:ext>
           </c:extLst>
         </c:ser>
@@ -1523,11 +1509,11 @@
         </c:dLbls>
         <c:marker val="1"/>
         <c:smooth val="0"/>
-        <c:axId val="1083857455"/>
-        <c:axId val="1083865775"/>
+        <c:axId val="1130503071"/>
+        <c:axId val="1275949583"/>
       </c:lineChart>
       <c:catAx>
-        <c:axId val="1083857455"/>
+        <c:axId val="1130503071"/>
         <c:scaling>
           <c:orientation val="minMax"/>
         </c:scaling>
@@ -1555,9 +1541,9 @@
           <a:lstStyle/>
           <a:p>
             <a:pPr>
-              <a:defRPr sz="2400" b="0" i="0" u="none" strike="noStrike" kern="1200" baseline="0">
+              <a:defRPr sz="2300" b="0" i="0" u="none" strike="noStrike" kern="1200" baseline="0">
                 <a:solidFill>
-                  <a:schemeClr val="tx1"/>
+                  <a:sysClr val="windowText" lastClr="000000"/>
                 </a:solidFill>
                 <a:latin typeface="+mn-lt"/>
                 <a:ea typeface="+mn-ea"/>
@@ -1567,15 +1553,1691 @@
             <a:endParaRPr lang="en-US"/>
           </a:p>
         </c:txPr>
-        <c:crossAx val="1083865775"/>
-        <c:crossesAt val="0"/>
+        <c:crossAx val="1275949583"/>
+        <c:crosses val="autoZero"/>
         <c:auto val="1"/>
         <c:lblAlgn val="ctr"/>
         <c:lblOffset val="100"/>
         <c:noMultiLvlLbl val="0"/>
       </c:catAx>
       <c:valAx>
-        <c:axId val="1083865775"/>
+        <c:axId val="1275949583"/>
+        <c:scaling>
+          <c:orientation val="minMax"/>
+        </c:scaling>
+        <c:delete val="0"/>
+        <c:axPos val="l"/>
+        <c:majorGridlines>
+          <c:spPr>
+            <a:ln w="9525" cap="flat" cmpd="sng" algn="ctr">
+              <a:solidFill>
+                <a:schemeClr val="tx1">
+                  <a:lumMod val="15000"/>
+                  <a:lumOff val="85000"/>
+                </a:schemeClr>
+              </a:solidFill>
+              <a:round/>
+            </a:ln>
+            <a:effectLst/>
+          </c:spPr>
+        </c:majorGridlines>
+        <c:title>
+          <c:tx>
+            <c:rich>
+              <a:bodyPr rot="-5400000" spcFirstLastPara="1" vertOverflow="ellipsis" vert="horz" wrap="square" anchor="ctr" anchorCtr="1"/>
+              <a:lstStyle/>
+              <a:p>
+                <a:pPr>
+                  <a:defRPr sz="2400" b="0" i="0" u="none" strike="noStrike" kern="1200" baseline="0">
+                    <a:solidFill>
+                      <a:sysClr val="windowText" lastClr="000000"/>
+                    </a:solidFill>
+                    <a:latin typeface="+mn-lt"/>
+                    <a:ea typeface="+mn-ea"/>
+                    <a:cs typeface="+mn-cs"/>
+                  </a:defRPr>
+                </a:pPr>
+                <a:r>
+                  <a:rPr lang="en-US" sz="2400">
+                    <a:solidFill>
+                      <a:sysClr val="windowText" lastClr="000000"/>
+                    </a:solidFill>
+                  </a:rPr>
+                  <a:t>Trouble</a:t>
+                </a:r>
+                <a:r>
+                  <a:rPr lang="en-US" sz="2400" baseline="0">
+                    <a:solidFill>
+                      <a:sysClr val="windowText" lastClr="000000"/>
+                    </a:solidFill>
+                  </a:rPr>
+                  <a:t> Sleeping (%)</a:t>
+                </a:r>
+                <a:endParaRPr lang="en-US" sz="2400">
+                  <a:solidFill>
+                    <a:sysClr val="windowText" lastClr="000000"/>
+                  </a:solidFill>
+                </a:endParaRPr>
+              </a:p>
+            </c:rich>
+          </c:tx>
+          <c:layout>
+            <c:manualLayout>
+              <c:xMode val="edge"/>
+              <c:yMode val="edge"/>
+              <c:x val="0"/>
+              <c:y val="0.10374261312451041"/>
+            </c:manualLayout>
+          </c:layout>
+          <c:overlay val="0"/>
+          <c:spPr>
+            <a:noFill/>
+            <a:ln>
+              <a:noFill/>
+            </a:ln>
+            <a:effectLst/>
+          </c:spPr>
+          <c:txPr>
+            <a:bodyPr rot="-5400000" spcFirstLastPara="1" vertOverflow="ellipsis" vert="horz" wrap="square" anchor="ctr" anchorCtr="1"/>
+            <a:lstStyle/>
+            <a:p>
+              <a:pPr>
+                <a:defRPr sz="2400" b="0" i="0" u="none" strike="noStrike" kern="1200" baseline="0">
+                  <a:solidFill>
+                    <a:sysClr val="windowText" lastClr="000000"/>
+                  </a:solidFill>
+                  <a:latin typeface="+mn-lt"/>
+                  <a:ea typeface="+mn-ea"/>
+                  <a:cs typeface="+mn-cs"/>
+                </a:defRPr>
+              </a:pPr>
+              <a:endParaRPr lang="en-US"/>
+            </a:p>
+          </c:txPr>
+        </c:title>
+        <c:numFmt formatCode="0" sourceLinked="0"/>
+        <c:majorTickMark val="none"/>
+        <c:minorTickMark val="none"/>
+        <c:tickLblPos val="nextTo"/>
+        <c:spPr>
+          <a:noFill/>
+          <a:ln>
+            <a:noFill/>
+          </a:ln>
+          <a:effectLst/>
+        </c:spPr>
+        <c:txPr>
+          <a:bodyPr rot="-60000000" spcFirstLastPara="1" vertOverflow="ellipsis" vert="horz" wrap="square" anchor="ctr" anchorCtr="1"/>
+          <a:lstStyle/>
+          <a:p>
+            <a:pPr>
+              <a:defRPr sz="2300" b="0" i="0" u="none" strike="noStrike" kern="1200" baseline="0">
+                <a:solidFill>
+                  <a:sysClr val="windowText" lastClr="000000"/>
+                </a:solidFill>
+                <a:latin typeface="+mn-lt"/>
+                <a:ea typeface="+mn-ea"/>
+                <a:cs typeface="+mn-cs"/>
+              </a:defRPr>
+            </a:pPr>
+            <a:endParaRPr lang="en-US"/>
+          </a:p>
+        </c:txPr>
+        <c:crossAx val="1130503071"/>
+        <c:crosses val="autoZero"/>
+        <c:crossBetween val="between"/>
+      </c:valAx>
+      <c:spPr>
+        <a:noFill/>
+        <a:ln>
+          <a:noFill/>
+        </a:ln>
+        <a:effectLst/>
+      </c:spPr>
+    </c:plotArea>
+    <c:legend>
+      <c:legendPos val="b"/>
+      <c:layout>
+        <c:manualLayout>
+          <c:xMode val="edge"/>
+          <c:yMode val="edge"/>
+          <c:x val="0.27445201771653549"/>
+          <c:y val="0.91252468280664678"/>
+          <c:w val="0.51776254921259846"/>
+          <c:h val="8.7475317193352983E-2"/>
+        </c:manualLayout>
+      </c:layout>
+      <c:overlay val="0"/>
+      <c:spPr>
+        <a:noFill/>
+        <a:ln>
+          <a:noFill/>
+        </a:ln>
+        <a:effectLst/>
+      </c:spPr>
+      <c:txPr>
+        <a:bodyPr rot="0" spcFirstLastPara="1" vertOverflow="ellipsis" vert="horz" wrap="square" anchor="ctr" anchorCtr="1"/>
+        <a:lstStyle/>
+        <a:p>
+          <a:pPr>
+            <a:defRPr sz="2200" b="0" i="0" u="none" strike="noStrike" kern="1200" baseline="0">
+              <a:solidFill>
+                <a:sysClr val="windowText" lastClr="000000"/>
+              </a:solidFill>
+              <a:latin typeface="+mn-lt"/>
+              <a:ea typeface="+mn-ea"/>
+              <a:cs typeface="+mn-cs"/>
+            </a:defRPr>
+          </a:pPr>
+          <a:endParaRPr lang="en-US"/>
+        </a:p>
+      </c:txPr>
+    </c:legend>
+    <c:plotVisOnly val="1"/>
+    <c:dispBlanksAs val="gap"/>
+    <c:extLst>
+      <c:ext xmlns:c16r3="http://schemas.microsoft.com/office/drawing/2017/03/chart" uri="{56B9EC1D-385E-4148-901F-78D8002777C0}">
+        <c16r3:dataDisplayOptions16>
+          <c16r3:dispNaAsBlank val="1"/>
+        </c16r3:dataDisplayOptions16>
+      </c:ext>
+    </c:extLst>
+    <c:showDLblsOverMax val="0"/>
+  </c:chart>
+  <c:spPr>
+    <a:solidFill>
+      <a:schemeClr val="bg1"/>
+    </a:solidFill>
+    <a:ln w="9525" cap="flat" cmpd="sng" algn="ctr">
+      <a:noFill/>
+      <a:round/>
+    </a:ln>
+    <a:effectLst/>
+  </c:spPr>
+  <c:txPr>
+    <a:bodyPr/>
+    <a:lstStyle/>
+    <a:p>
+      <a:pPr>
+        <a:defRPr/>
+      </a:pPr>
+      <a:endParaRPr lang="en-US"/>
+    </a:p>
+  </c:txPr>
+  <c:externalData r:id="rId3">
+    <c:autoUpdate val="0"/>
+  </c:externalData>
+</c:chartSpace>
+</file>
+
+<file path=ppt/charts/chart4.xml><?xml version="1.0" encoding="utf-8"?>
+<c:chartSpace xmlns:c="http://schemas.openxmlformats.org/drawingml/2006/chart" xmlns:a="http://schemas.openxmlformats.org/drawingml/2006/main" xmlns:r="http://schemas.openxmlformats.org/officeDocument/2006/relationships" xmlns:c16r2="http://schemas.microsoft.com/office/drawing/2015/06/chart">
+  <c:date1904 val="0"/>
+  <c:lang val="en-US"/>
+  <c:roundedCorners val="0"/>
+  <mc:AlternateContent xmlns:mc="http://schemas.openxmlformats.org/markup-compatibility/2006">
+    <mc:Choice xmlns:c14="http://schemas.microsoft.com/office/drawing/2007/8/2/chart" Requires="c14">
+      <c14:style val="102"/>
+    </mc:Choice>
+    <mc:Fallback>
+      <c:style val="2"/>
+    </mc:Fallback>
+  </mc:AlternateContent>
+  <c:chart>
+    <c:autoTitleDeleted val="1"/>
+    <c:plotArea>
+      <c:layout/>
+      <c:lineChart>
+        <c:grouping val="standard"/>
+        <c:varyColors val="0"/>
+        <c:ser>
+          <c:idx val="0"/>
+          <c:order val="0"/>
+          <c:tx>
+            <c:strRef>
+              <c:f>'Trouble sleeping'!$B$24</c:f>
+              <c:strCache>
+                <c:ptCount val="1"/>
+                <c:pt idx="0">
+                  <c:v>No CKD</c:v>
+                </c:pt>
+              </c:strCache>
+            </c:strRef>
+          </c:tx>
+          <c:spPr>
+            <a:ln w="44450" cap="rnd">
+              <a:solidFill>
+                <a:srgbClr val="990099"/>
+              </a:solidFill>
+              <a:round/>
+            </a:ln>
+            <a:effectLst/>
+          </c:spPr>
+          <c:marker>
+            <c:symbol val="circle"/>
+            <c:size val="5"/>
+            <c:spPr>
+              <a:solidFill>
+                <a:srgbClr val="990099"/>
+              </a:solidFill>
+              <a:ln w="44450">
+                <a:solidFill>
+                  <a:srgbClr val="990099"/>
+                </a:solidFill>
+              </a:ln>
+              <a:effectLst/>
+            </c:spPr>
+          </c:marker>
+          <c:cat>
+            <c:strRef>
+              <c:f>'Trouble sleeping'!$A$25:$A$28</c:f>
+              <c:strCache>
+                <c:ptCount val="4"/>
+                <c:pt idx="0">
+                  <c:v>2005–2008</c:v>
+                </c:pt>
+                <c:pt idx="1">
+                  <c:v>2009–2012</c:v>
+                </c:pt>
+                <c:pt idx="2">
+                  <c:v>2013–2016</c:v>
+                </c:pt>
+                <c:pt idx="3">
+                  <c:v>2017–2020</c:v>
+                </c:pt>
+              </c:strCache>
+            </c:strRef>
+          </c:cat>
+          <c:val>
+            <c:numRef>
+              <c:f>'Trouble sleeping'!$B$25:$B$28</c:f>
+              <c:numCache>
+                <c:formatCode>0.0</c:formatCode>
+                <c:ptCount val="4"/>
+                <c:pt idx="0">
+                  <c:v>24</c:v>
+                </c:pt>
+                <c:pt idx="1">
+                  <c:v>25.5</c:v>
+                </c:pt>
+                <c:pt idx="2">
+                  <c:v>28</c:v>
+                </c:pt>
+                <c:pt idx="3">
+                  <c:v>30.6</c:v>
+                </c:pt>
+              </c:numCache>
+            </c:numRef>
+          </c:val>
+          <c:smooth val="0"/>
+          <c:extLst>
+            <c:ext xmlns:c16="http://schemas.microsoft.com/office/drawing/2014/chart" uri="{C3380CC4-5D6E-409C-BE32-E72D297353CC}">
+              <c16:uniqueId val="{00000000-91DF-416F-AD23-8AC372450464}"/>
+            </c:ext>
+          </c:extLst>
+        </c:ser>
+        <c:ser>
+          <c:idx val="1"/>
+          <c:order val="1"/>
+          <c:tx>
+            <c:strRef>
+              <c:f>'Trouble sleeping'!$C$24</c:f>
+              <c:strCache>
+                <c:ptCount val="1"/>
+                <c:pt idx="0">
+                  <c:v>CKD Stages 1–2</c:v>
+                </c:pt>
+              </c:strCache>
+            </c:strRef>
+          </c:tx>
+          <c:spPr>
+            <a:ln w="44450" cap="rnd">
+              <a:solidFill>
+                <a:srgbClr val="008080"/>
+              </a:solidFill>
+              <a:round/>
+            </a:ln>
+            <a:effectLst/>
+          </c:spPr>
+          <c:marker>
+            <c:symbol val="circle"/>
+            <c:size val="5"/>
+            <c:spPr>
+              <a:solidFill>
+                <a:srgbClr val="008080"/>
+              </a:solidFill>
+              <a:ln w="44450">
+                <a:solidFill>
+                  <a:srgbClr val="008080"/>
+                </a:solidFill>
+              </a:ln>
+              <a:effectLst/>
+            </c:spPr>
+          </c:marker>
+          <c:cat>
+            <c:strRef>
+              <c:f>'Trouble sleeping'!$A$25:$A$28</c:f>
+              <c:strCache>
+                <c:ptCount val="4"/>
+                <c:pt idx="0">
+                  <c:v>2005–2008</c:v>
+                </c:pt>
+                <c:pt idx="1">
+                  <c:v>2009–2012</c:v>
+                </c:pt>
+                <c:pt idx="2">
+                  <c:v>2013–2016</c:v>
+                </c:pt>
+                <c:pt idx="3">
+                  <c:v>2017–2020</c:v>
+                </c:pt>
+              </c:strCache>
+            </c:strRef>
+          </c:cat>
+          <c:val>
+            <c:numRef>
+              <c:f>'Trouble sleeping'!$C$25:$C$28</c:f>
+              <c:numCache>
+                <c:formatCode>0.0</c:formatCode>
+                <c:ptCount val="4"/>
+                <c:pt idx="0">
+                  <c:v>28.7</c:v>
+                </c:pt>
+                <c:pt idx="1">
+                  <c:v>28.6</c:v>
+                </c:pt>
+                <c:pt idx="2">
+                  <c:v>30.8</c:v>
+                </c:pt>
+                <c:pt idx="3">
+                  <c:v>29.2</c:v>
+                </c:pt>
+              </c:numCache>
+            </c:numRef>
+          </c:val>
+          <c:smooth val="0"/>
+          <c:extLst>
+            <c:ext xmlns:c16="http://schemas.microsoft.com/office/drawing/2014/chart" uri="{C3380CC4-5D6E-409C-BE32-E72D297353CC}">
+              <c16:uniqueId val="{00000001-91DF-416F-AD23-8AC372450464}"/>
+            </c:ext>
+          </c:extLst>
+        </c:ser>
+        <c:ser>
+          <c:idx val="2"/>
+          <c:order val="2"/>
+          <c:tx>
+            <c:strRef>
+              <c:f>'Trouble sleeping'!$D$24</c:f>
+              <c:strCache>
+                <c:ptCount val="1"/>
+                <c:pt idx="0">
+                  <c:v>CKD Stages 3–5</c:v>
+                </c:pt>
+              </c:strCache>
+            </c:strRef>
+          </c:tx>
+          <c:spPr>
+            <a:ln w="44450" cap="rnd">
+              <a:solidFill>
+                <a:schemeClr val="tx1">
+                  <a:lumMod val="50000"/>
+                  <a:lumOff val="50000"/>
+                </a:schemeClr>
+              </a:solidFill>
+              <a:round/>
+            </a:ln>
+            <a:effectLst/>
+          </c:spPr>
+          <c:marker>
+            <c:symbol val="circle"/>
+            <c:size val="5"/>
+            <c:spPr>
+              <a:solidFill>
+                <a:schemeClr val="tx1">
+                  <a:lumMod val="50000"/>
+                  <a:lumOff val="50000"/>
+                </a:schemeClr>
+              </a:solidFill>
+              <a:ln w="44450">
+                <a:solidFill>
+                  <a:schemeClr val="tx1">
+                    <a:lumMod val="50000"/>
+                    <a:lumOff val="50000"/>
+                  </a:schemeClr>
+                </a:solidFill>
+              </a:ln>
+              <a:effectLst/>
+            </c:spPr>
+          </c:marker>
+          <c:cat>
+            <c:strRef>
+              <c:f>'Trouble sleeping'!$A$25:$A$28</c:f>
+              <c:strCache>
+                <c:ptCount val="4"/>
+                <c:pt idx="0">
+                  <c:v>2005–2008</c:v>
+                </c:pt>
+                <c:pt idx="1">
+                  <c:v>2009–2012</c:v>
+                </c:pt>
+                <c:pt idx="2">
+                  <c:v>2013–2016</c:v>
+                </c:pt>
+                <c:pt idx="3">
+                  <c:v>2017–2020</c:v>
+                </c:pt>
+              </c:strCache>
+            </c:strRef>
+          </c:cat>
+          <c:val>
+            <c:numRef>
+              <c:f>'Trouble sleeping'!$D$25:$D$28</c:f>
+              <c:numCache>
+                <c:formatCode>0.0</c:formatCode>
+                <c:ptCount val="4"/>
+                <c:pt idx="0">
+                  <c:v>25.7</c:v>
+                </c:pt>
+                <c:pt idx="1">
+                  <c:v>38.799999999999997</c:v>
+                </c:pt>
+                <c:pt idx="2">
+                  <c:v>44.2</c:v>
+                </c:pt>
+                <c:pt idx="3">
+                  <c:v>37</c:v>
+                </c:pt>
+              </c:numCache>
+            </c:numRef>
+          </c:val>
+          <c:smooth val="0"/>
+          <c:extLst>
+            <c:ext xmlns:c16="http://schemas.microsoft.com/office/drawing/2014/chart" uri="{C3380CC4-5D6E-409C-BE32-E72D297353CC}">
+              <c16:uniqueId val="{00000002-91DF-416F-AD23-8AC372450464}"/>
+            </c:ext>
+          </c:extLst>
+        </c:ser>
+        <c:dLbls>
+          <c:showLegendKey val="0"/>
+          <c:showVal val="0"/>
+          <c:showCatName val="0"/>
+          <c:showSerName val="0"/>
+          <c:showPercent val="0"/>
+          <c:showBubbleSize val="0"/>
+        </c:dLbls>
+        <c:marker val="1"/>
+        <c:smooth val="0"/>
+        <c:axId val="1279608975"/>
+        <c:axId val="1279609391"/>
+      </c:lineChart>
+      <c:catAx>
+        <c:axId val="1279608975"/>
+        <c:scaling>
+          <c:orientation val="minMax"/>
+        </c:scaling>
+        <c:delete val="0"/>
+        <c:axPos val="b"/>
+        <c:numFmt formatCode="General" sourceLinked="1"/>
+        <c:majorTickMark val="none"/>
+        <c:minorTickMark val="none"/>
+        <c:tickLblPos val="nextTo"/>
+        <c:spPr>
+          <a:noFill/>
+          <a:ln w="9525" cap="flat" cmpd="sng" algn="ctr">
+            <a:solidFill>
+              <a:schemeClr val="tx1">
+                <a:lumMod val="15000"/>
+                <a:lumOff val="85000"/>
+              </a:schemeClr>
+            </a:solidFill>
+            <a:round/>
+          </a:ln>
+          <a:effectLst/>
+        </c:spPr>
+        <c:txPr>
+          <a:bodyPr rot="-60000000" spcFirstLastPara="1" vertOverflow="ellipsis" vert="horz" wrap="square" anchor="ctr" anchorCtr="1"/>
+          <a:lstStyle/>
+          <a:p>
+            <a:pPr>
+              <a:defRPr sz="2300" b="0" i="0" u="none" strike="noStrike" kern="1200" baseline="0">
+                <a:solidFill>
+                  <a:sysClr val="windowText" lastClr="000000"/>
+                </a:solidFill>
+                <a:latin typeface="+mn-lt"/>
+                <a:ea typeface="+mn-ea"/>
+                <a:cs typeface="+mn-cs"/>
+              </a:defRPr>
+            </a:pPr>
+            <a:endParaRPr lang="en-US"/>
+          </a:p>
+        </c:txPr>
+        <c:crossAx val="1279609391"/>
+        <c:crosses val="autoZero"/>
+        <c:auto val="1"/>
+        <c:lblAlgn val="ctr"/>
+        <c:lblOffset val="100"/>
+        <c:noMultiLvlLbl val="0"/>
+      </c:catAx>
+      <c:valAx>
+        <c:axId val="1279609391"/>
+        <c:scaling>
+          <c:orientation val="minMax"/>
+        </c:scaling>
+        <c:delete val="0"/>
+        <c:axPos val="l"/>
+        <c:majorGridlines>
+          <c:spPr>
+            <a:ln w="9525" cap="flat" cmpd="sng" algn="ctr">
+              <a:solidFill>
+                <a:schemeClr val="tx1">
+                  <a:lumMod val="15000"/>
+                  <a:lumOff val="85000"/>
+                </a:schemeClr>
+              </a:solidFill>
+              <a:round/>
+            </a:ln>
+            <a:effectLst/>
+          </c:spPr>
+        </c:majorGridlines>
+        <c:title>
+          <c:tx>
+            <c:rich>
+              <a:bodyPr rot="-5400000" spcFirstLastPara="1" vertOverflow="ellipsis" vert="horz" wrap="square" anchor="ctr" anchorCtr="1"/>
+              <a:lstStyle/>
+              <a:p>
+                <a:pPr>
+                  <a:defRPr sz="2400" b="0" i="0" u="none" strike="noStrike" kern="1200" baseline="0">
+                    <a:solidFill>
+                      <a:sysClr val="windowText" lastClr="000000"/>
+                    </a:solidFill>
+                    <a:latin typeface="+mn-lt"/>
+                    <a:ea typeface="+mn-ea"/>
+                    <a:cs typeface="+mn-cs"/>
+                  </a:defRPr>
+                </a:pPr>
+                <a:r>
+                  <a:rPr lang="en-US" sz="2400">
+                    <a:solidFill>
+                      <a:sysClr val="windowText" lastClr="000000"/>
+                    </a:solidFill>
+                  </a:rPr>
+                  <a:t>Trouble</a:t>
+                </a:r>
+                <a:r>
+                  <a:rPr lang="en-US" sz="2400" baseline="0">
+                    <a:solidFill>
+                      <a:sysClr val="windowText" lastClr="000000"/>
+                    </a:solidFill>
+                  </a:rPr>
+                  <a:t> Sleeping (%)</a:t>
+                </a:r>
+                <a:endParaRPr lang="en-US" sz="2400">
+                  <a:solidFill>
+                    <a:sysClr val="windowText" lastClr="000000"/>
+                  </a:solidFill>
+                </a:endParaRPr>
+              </a:p>
+            </c:rich>
+          </c:tx>
+          <c:layout>
+            <c:manualLayout>
+              <c:xMode val="edge"/>
+              <c:yMode val="edge"/>
+              <c:x val="0"/>
+              <c:y val="0.10217236472490962"/>
+            </c:manualLayout>
+          </c:layout>
+          <c:overlay val="0"/>
+          <c:spPr>
+            <a:noFill/>
+            <a:ln>
+              <a:noFill/>
+            </a:ln>
+            <a:effectLst/>
+          </c:spPr>
+          <c:txPr>
+            <a:bodyPr rot="-5400000" spcFirstLastPara="1" vertOverflow="ellipsis" vert="horz" wrap="square" anchor="ctr" anchorCtr="1"/>
+            <a:lstStyle/>
+            <a:p>
+              <a:pPr>
+                <a:defRPr sz="2400" b="0" i="0" u="none" strike="noStrike" kern="1200" baseline="0">
+                  <a:solidFill>
+                    <a:sysClr val="windowText" lastClr="000000"/>
+                  </a:solidFill>
+                  <a:latin typeface="+mn-lt"/>
+                  <a:ea typeface="+mn-ea"/>
+                  <a:cs typeface="+mn-cs"/>
+                </a:defRPr>
+              </a:pPr>
+              <a:endParaRPr lang="en-US"/>
+            </a:p>
+          </c:txPr>
+        </c:title>
+        <c:numFmt formatCode="0" sourceLinked="0"/>
+        <c:majorTickMark val="none"/>
+        <c:minorTickMark val="none"/>
+        <c:tickLblPos val="nextTo"/>
+        <c:spPr>
+          <a:noFill/>
+          <a:ln>
+            <a:noFill/>
+          </a:ln>
+          <a:effectLst/>
+        </c:spPr>
+        <c:txPr>
+          <a:bodyPr rot="-60000000" spcFirstLastPara="1" vertOverflow="ellipsis" vert="horz" wrap="square" anchor="ctr" anchorCtr="1"/>
+          <a:lstStyle/>
+          <a:p>
+            <a:pPr>
+              <a:defRPr sz="2300" b="0" i="0" u="none" strike="noStrike" kern="1200" baseline="0">
+                <a:solidFill>
+                  <a:sysClr val="windowText" lastClr="000000"/>
+                </a:solidFill>
+                <a:latin typeface="+mn-lt"/>
+                <a:ea typeface="+mn-ea"/>
+                <a:cs typeface="+mn-cs"/>
+              </a:defRPr>
+            </a:pPr>
+            <a:endParaRPr lang="en-US"/>
+          </a:p>
+        </c:txPr>
+        <c:crossAx val="1279608975"/>
+        <c:crosses val="autoZero"/>
+        <c:crossBetween val="between"/>
+      </c:valAx>
+      <c:spPr>
+        <a:noFill/>
+        <a:ln>
+          <a:noFill/>
+        </a:ln>
+        <a:effectLst/>
+      </c:spPr>
+    </c:plotArea>
+    <c:legend>
+      <c:legendPos val="b"/>
+      <c:layout>
+        <c:manualLayout>
+          <c:xMode val="edge"/>
+          <c:yMode val="edge"/>
+          <c:x val="0.27653535104986882"/>
+          <c:y val="0.9127690056883272"/>
+          <c:w val="0.51776254921259846"/>
+          <c:h val="8.7230994311672777E-2"/>
+        </c:manualLayout>
+      </c:layout>
+      <c:overlay val="0"/>
+      <c:spPr>
+        <a:noFill/>
+        <a:ln>
+          <a:noFill/>
+        </a:ln>
+        <a:effectLst/>
+      </c:spPr>
+      <c:txPr>
+        <a:bodyPr rot="0" spcFirstLastPara="1" vertOverflow="ellipsis" vert="horz" wrap="square" anchor="ctr" anchorCtr="1"/>
+        <a:lstStyle/>
+        <a:p>
+          <a:pPr>
+            <a:defRPr sz="2200" b="0" i="0" u="none" strike="noStrike" kern="1200" baseline="0">
+              <a:solidFill>
+                <a:sysClr val="windowText" lastClr="000000"/>
+              </a:solidFill>
+              <a:latin typeface="+mn-lt"/>
+              <a:ea typeface="+mn-ea"/>
+              <a:cs typeface="+mn-cs"/>
+            </a:defRPr>
+          </a:pPr>
+          <a:endParaRPr lang="en-US"/>
+        </a:p>
+      </c:txPr>
+    </c:legend>
+    <c:plotVisOnly val="1"/>
+    <c:dispBlanksAs val="gap"/>
+    <c:extLst>
+      <c:ext xmlns:c16r3="http://schemas.microsoft.com/office/drawing/2017/03/chart" uri="{56B9EC1D-385E-4148-901F-78D8002777C0}">
+        <c16r3:dataDisplayOptions16>
+          <c16r3:dispNaAsBlank val="1"/>
+        </c16r3:dataDisplayOptions16>
+      </c:ext>
+    </c:extLst>
+    <c:showDLblsOverMax val="0"/>
+  </c:chart>
+  <c:spPr>
+    <a:solidFill>
+      <a:schemeClr val="bg1"/>
+    </a:solidFill>
+    <a:ln w="9525" cap="flat" cmpd="sng" algn="ctr">
+      <a:noFill/>
+      <a:round/>
+    </a:ln>
+    <a:effectLst/>
+  </c:spPr>
+  <c:txPr>
+    <a:bodyPr/>
+    <a:lstStyle/>
+    <a:p>
+      <a:pPr>
+        <a:defRPr/>
+      </a:pPr>
+      <a:endParaRPr lang="en-US"/>
+    </a:p>
+  </c:txPr>
+  <c:externalData r:id="rId3">
+    <c:autoUpdate val="0"/>
+  </c:externalData>
+</c:chartSpace>
+</file>
+
+<file path=ppt/charts/chart5.xml><?xml version="1.0" encoding="utf-8"?>
+<c:chartSpace xmlns:c="http://schemas.openxmlformats.org/drawingml/2006/chart" xmlns:a="http://schemas.openxmlformats.org/drawingml/2006/main" xmlns:r="http://schemas.openxmlformats.org/officeDocument/2006/relationships" xmlns:c16r2="http://schemas.microsoft.com/office/drawing/2015/06/chart">
+  <c:date1904 val="0"/>
+  <c:lang val="en-US"/>
+  <c:roundedCorners val="0"/>
+  <mc:AlternateContent xmlns:mc="http://schemas.openxmlformats.org/markup-compatibility/2006">
+    <mc:Choice xmlns:c14="http://schemas.microsoft.com/office/drawing/2007/8/2/chart" Requires="c14">
+      <c14:style val="102"/>
+    </mc:Choice>
+    <mc:Fallback>
+      <c:style val="2"/>
+    </mc:Fallback>
+  </mc:AlternateContent>
+  <c:chart>
+    <c:autoTitleDeleted val="1"/>
+    <c:plotArea>
+      <c:layout/>
+      <c:lineChart>
+        <c:grouping val="standard"/>
+        <c:varyColors val="0"/>
+        <c:ser>
+          <c:idx val="0"/>
+          <c:order val="0"/>
+          <c:tx>
+            <c:strRef>
+              <c:f>Nocturia!$B$1</c:f>
+              <c:strCache>
+                <c:ptCount val="1"/>
+                <c:pt idx="0">
+                  <c:v>No CKD</c:v>
+                </c:pt>
+              </c:strCache>
+            </c:strRef>
+          </c:tx>
+          <c:spPr>
+            <a:ln w="44450" cap="rnd">
+              <a:solidFill>
+                <a:srgbClr val="990099"/>
+              </a:solidFill>
+              <a:round/>
+            </a:ln>
+            <a:effectLst/>
+          </c:spPr>
+          <c:marker>
+            <c:symbol val="circle"/>
+            <c:size val="5"/>
+            <c:spPr>
+              <a:solidFill>
+                <a:srgbClr val="990099"/>
+              </a:solidFill>
+              <a:ln w="44450">
+                <a:solidFill>
+                  <a:srgbClr val="990099"/>
+                </a:solidFill>
+              </a:ln>
+              <a:effectLst/>
+            </c:spPr>
+          </c:marker>
+          <c:cat>
+            <c:strRef>
+              <c:f>Nocturia!$A$2:$A$5</c:f>
+              <c:strCache>
+                <c:ptCount val="4"/>
+                <c:pt idx="0">
+                  <c:v>2005–2008</c:v>
+                </c:pt>
+                <c:pt idx="1">
+                  <c:v>2009–2012</c:v>
+                </c:pt>
+                <c:pt idx="2">
+                  <c:v>2013–2016</c:v>
+                </c:pt>
+                <c:pt idx="3">
+                  <c:v>2017–2020</c:v>
+                </c:pt>
+              </c:strCache>
+            </c:strRef>
+          </c:cat>
+          <c:val>
+            <c:numRef>
+              <c:f>Nocturia!$B$2:$B$5</c:f>
+              <c:numCache>
+                <c:formatCode>0.0</c:formatCode>
+                <c:ptCount val="4"/>
+                <c:pt idx="0">
+                  <c:v>21.1</c:v>
+                </c:pt>
+                <c:pt idx="1">
+                  <c:v>21.5</c:v>
+                </c:pt>
+                <c:pt idx="2">
+                  <c:v>24.6</c:v>
+                </c:pt>
+                <c:pt idx="3">
+                  <c:v>25.7</c:v>
+                </c:pt>
+              </c:numCache>
+            </c:numRef>
+          </c:val>
+          <c:smooth val="0"/>
+          <c:extLst>
+            <c:ext xmlns:c16="http://schemas.microsoft.com/office/drawing/2014/chart" uri="{C3380CC4-5D6E-409C-BE32-E72D297353CC}">
+              <c16:uniqueId val="{00000000-FD5C-4857-91DB-F009B95ACB9B}"/>
+            </c:ext>
+          </c:extLst>
+        </c:ser>
+        <c:ser>
+          <c:idx val="1"/>
+          <c:order val="1"/>
+          <c:tx>
+            <c:strRef>
+              <c:f>Nocturia!$C$1</c:f>
+              <c:strCache>
+                <c:ptCount val="1"/>
+                <c:pt idx="0">
+                  <c:v>CKD Stages 1–2</c:v>
+                </c:pt>
+              </c:strCache>
+            </c:strRef>
+          </c:tx>
+          <c:spPr>
+            <a:ln w="44450" cap="rnd">
+              <a:solidFill>
+                <a:srgbClr val="008080"/>
+              </a:solidFill>
+              <a:round/>
+            </a:ln>
+            <a:effectLst/>
+          </c:spPr>
+          <c:marker>
+            <c:symbol val="circle"/>
+            <c:size val="5"/>
+            <c:spPr>
+              <a:solidFill>
+                <a:srgbClr val="008080"/>
+              </a:solidFill>
+              <a:ln w="44450">
+                <a:solidFill>
+                  <a:srgbClr val="008080"/>
+                </a:solidFill>
+              </a:ln>
+              <a:effectLst/>
+            </c:spPr>
+          </c:marker>
+          <c:cat>
+            <c:strRef>
+              <c:f>Nocturia!$A$2:$A$5</c:f>
+              <c:strCache>
+                <c:ptCount val="4"/>
+                <c:pt idx="0">
+                  <c:v>2005–2008</c:v>
+                </c:pt>
+                <c:pt idx="1">
+                  <c:v>2009–2012</c:v>
+                </c:pt>
+                <c:pt idx="2">
+                  <c:v>2013–2016</c:v>
+                </c:pt>
+                <c:pt idx="3">
+                  <c:v>2017–2020</c:v>
+                </c:pt>
+              </c:strCache>
+            </c:strRef>
+          </c:cat>
+          <c:val>
+            <c:numRef>
+              <c:f>Nocturia!$C$2:$C$5</c:f>
+              <c:numCache>
+                <c:formatCode>0.0</c:formatCode>
+                <c:ptCount val="4"/>
+                <c:pt idx="0">
+                  <c:v>35.299999999999997</c:v>
+                </c:pt>
+                <c:pt idx="1">
+                  <c:v>39.1</c:v>
+                </c:pt>
+                <c:pt idx="2">
+                  <c:v>41</c:v>
+                </c:pt>
+                <c:pt idx="3">
+                  <c:v>40.200000000000003</c:v>
+                </c:pt>
+              </c:numCache>
+            </c:numRef>
+          </c:val>
+          <c:smooth val="0"/>
+          <c:extLst>
+            <c:ext xmlns:c16="http://schemas.microsoft.com/office/drawing/2014/chart" uri="{C3380CC4-5D6E-409C-BE32-E72D297353CC}">
+              <c16:uniqueId val="{00000001-FD5C-4857-91DB-F009B95ACB9B}"/>
+            </c:ext>
+          </c:extLst>
+        </c:ser>
+        <c:ser>
+          <c:idx val="2"/>
+          <c:order val="2"/>
+          <c:tx>
+            <c:strRef>
+              <c:f>Nocturia!$D$1</c:f>
+              <c:strCache>
+                <c:ptCount val="1"/>
+                <c:pt idx="0">
+                  <c:v>CKD Stages 3–5</c:v>
+                </c:pt>
+              </c:strCache>
+            </c:strRef>
+          </c:tx>
+          <c:spPr>
+            <a:ln w="44450" cap="rnd">
+              <a:solidFill>
+                <a:schemeClr val="tx1">
+                  <a:lumMod val="50000"/>
+                  <a:lumOff val="50000"/>
+                </a:schemeClr>
+              </a:solidFill>
+              <a:round/>
+            </a:ln>
+            <a:effectLst/>
+          </c:spPr>
+          <c:marker>
+            <c:symbol val="circle"/>
+            <c:size val="5"/>
+            <c:spPr>
+              <a:solidFill>
+                <a:schemeClr val="tx1">
+                  <a:lumMod val="50000"/>
+                  <a:lumOff val="50000"/>
+                </a:schemeClr>
+              </a:solidFill>
+              <a:ln w="44450">
+                <a:solidFill>
+                  <a:schemeClr val="tx1">
+                    <a:lumMod val="50000"/>
+                    <a:lumOff val="50000"/>
+                  </a:schemeClr>
+                </a:solidFill>
+              </a:ln>
+              <a:effectLst/>
+            </c:spPr>
+          </c:marker>
+          <c:cat>
+            <c:strRef>
+              <c:f>Nocturia!$A$2:$A$5</c:f>
+              <c:strCache>
+                <c:ptCount val="4"/>
+                <c:pt idx="0">
+                  <c:v>2005–2008</c:v>
+                </c:pt>
+                <c:pt idx="1">
+                  <c:v>2009–2012</c:v>
+                </c:pt>
+                <c:pt idx="2">
+                  <c:v>2013–2016</c:v>
+                </c:pt>
+                <c:pt idx="3">
+                  <c:v>2017–2020</c:v>
+                </c:pt>
+              </c:strCache>
+            </c:strRef>
+          </c:cat>
+          <c:val>
+            <c:numRef>
+              <c:f>Nocturia!$D$2:$D$5</c:f>
+              <c:numCache>
+                <c:formatCode>0.0</c:formatCode>
+                <c:ptCount val="4"/>
+                <c:pt idx="0">
+                  <c:v>50</c:v>
+                </c:pt>
+                <c:pt idx="1">
+                  <c:v>48.1</c:v>
+                </c:pt>
+                <c:pt idx="2">
+                  <c:v>46.2</c:v>
+                </c:pt>
+                <c:pt idx="3">
+                  <c:v>50.2</c:v>
+                </c:pt>
+              </c:numCache>
+            </c:numRef>
+          </c:val>
+          <c:smooth val="0"/>
+          <c:extLst>
+            <c:ext xmlns:c16="http://schemas.microsoft.com/office/drawing/2014/chart" uri="{C3380CC4-5D6E-409C-BE32-E72D297353CC}">
+              <c16:uniqueId val="{00000002-FD5C-4857-91DB-F009B95ACB9B}"/>
+            </c:ext>
+          </c:extLst>
+        </c:ser>
+        <c:dLbls>
+          <c:showLegendKey val="0"/>
+          <c:showVal val="0"/>
+          <c:showCatName val="0"/>
+          <c:showSerName val="0"/>
+          <c:showPercent val="0"/>
+          <c:showBubbleSize val="0"/>
+        </c:dLbls>
+        <c:marker val="1"/>
+        <c:smooth val="0"/>
+        <c:axId val="1129570399"/>
+        <c:axId val="1129570815"/>
+      </c:lineChart>
+      <c:catAx>
+        <c:axId val="1129570399"/>
+        <c:scaling>
+          <c:orientation val="minMax"/>
+        </c:scaling>
+        <c:delete val="0"/>
+        <c:axPos val="b"/>
+        <c:numFmt formatCode="General" sourceLinked="1"/>
+        <c:majorTickMark val="none"/>
+        <c:minorTickMark val="none"/>
+        <c:tickLblPos val="nextTo"/>
+        <c:spPr>
+          <a:noFill/>
+          <a:ln w="9525" cap="flat" cmpd="sng" algn="ctr">
+            <a:solidFill>
+              <a:schemeClr val="tx1">
+                <a:lumMod val="15000"/>
+                <a:lumOff val="85000"/>
+              </a:schemeClr>
+            </a:solidFill>
+            <a:round/>
+          </a:ln>
+          <a:effectLst/>
+        </c:spPr>
+        <c:txPr>
+          <a:bodyPr rot="-60000000" spcFirstLastPara="1" vertOverflow="ellipsis" vert="horz" wrap="square" anchor="ctr" anchorCtr="1"/>
+          <a:lstStyle/>
+          <a:p>
+            <a:pPr>
+              <a:defRPr sz="2300" b="0" i="0" u="none" strike="noStrike" kern="1200" baseline="0">
+                <a:solidFill>
+                  <a:sysClr val="windowText" lastClr="000000"/>
+                </a:solidFill>
+                <a:latin typeface="+mn-lt"/>
+                <a:ea typeface="+mn-ea"/>
+                <a:cs typeface="+mn-cs"/>
+              </a:defRPr>
+            </a:pPr>
+            <a:endParaRPr lang="en-US"/>
+          </a:p>
+        </c:txPr>
+        <c:crossAx val="1129570815"/>
+        <c:crosses val="autoZero"/>
+        <c:auto val="1"/>
+        <c:lblAlgn val="ctr"/>
+        <c:lblOffset val="100"/>
+        <c:noMultiLvlLbl val="0"/>
+      </c:catAx>
+      <c:valAx>
+        <c:axId val="1129570815"/>
+        <c:scaling>
+          <c:orientation val="minMax"/>
+        </c:scaling>
+        <c:delete val="0"/>
+        <c:axPos val="l"/>
+        <c:majorGridlines>
+          <c:spPr>
+            <a:ln w="9525" cap="flat" cmpd="sng" algn="ctr">
+              <a:solidFill>
+                <a:schemeClr val="tx1">
+                  <a:lumMod val="15000"/>
+                  <a:lumOff val="85000"/>
+                </a:schemeClr>
+              </a:solidFill>
+              <a:round/>
+            </a:ln>
+            <a:effectLst/>
+          </c:spPr>
+        </c:majorGridlines>
+        <c:title>
+          <c:tx>
+            <c:rich>
+              <a:bodyPr rot="-5400000" spcFirstLastPara="1" vertOverflow="ellipsis" vert="horz" wrap="square" anchor="ctr" anchorCtr="1"/>
+              <a:lstStyle/>
+              <a:p>
+                <a:pPr>
+                  <a:defRPr sz="2400" b="0" i="0" u="none" strike="noStrike" kern="1200" baseline="0">
+                    <a:solidFill>
+                      <a:sysClr val="windowText" lastClr="000000"/>
+                    </a:solidFill>
+                    <a:latin typeface="+mn-lt"/>
+                    <a:ea typeface="+mn-ea"/>
+                    <a:cs typeface="+mn-cs"/>
+                  </a:defRPr>
+                </a:pPr>
+                <a:r>
+                  <a:rPr lang="en-US" sz="2400">
+                    <a:solidFill>
+                      <a:sysClr val="windowText" lastClr="000000"/>
+                    </a:solidFill>
+                  </a:rPr>
+                  <a:t>Nocturia</a:t>
+                </a:r>
+                <a:r>
+                  <a:rPr lang="en-US" sz="2400" baseline="0">
+                    <a:solidFill>
+                      <a:sysClr val="windowText" lastClr="000000"/>
+                    </a:solidFill>
+                  </a:rPr>
+                  <a:t> (%)</a:t>
+                </a:r>
+                <a:endParaRPr lang="en-US" sz="2400">
+                  <a:solidFill>
+                    <a:sysClr val="windowText" lastClr="000000"/>
+                  </a:solidFill>
+                </a:endParaRPr>
+              </a:p>
+            </c:rich>
+          </c:tx>
+          <c:layout>
+            <c:manualLayout>
+              <c:xMode val="edge"/>
+              <c:yMode val="edge"/>
+              <c:x val="0"/>
+              <c:y val="0.2063502829936322"/>
+            </c:manualLayout>
+          </c:layout>
+          <c:overlay val="0"/>
+          <c:spPr>
+            <a:noFill/>
+            <a:ln>
+              <a:noFill/>
+            </a:ln>
+            <a:effectLst/>
+          </c:spPr>
+          <c:txPr>
+            <a:bodyPr rot="-5400000" spcFirstLastPara="1" vertOverflow="ellipsis" vert="horz" wrap="square" anchor="ctr" anchorCtr="1"/>
+            <a:lstStyle/>
+            <a:p>
+              <a:pPr>
+                <a:defRPr sz="2400" b="0" i="0" u="none" strike="noStrike" kern="1200" baseline="0">
+                  <a:solidFill>
+                    <a:sysClr val="windowText" lastClr="000000"/>
+                  </a:solidFill>
+                  <a:latin typeface="+mn-lt"/>
+                  <a:ea typeface="+mn-ea"/>
+                  <a:cs typeface="+mn-cs"/>
+                </a:defRPr>
+              </a:pPr>
+              <a:endParaRPr lang="en-US"/>
+            </a:p>
+          </c:txPr>
+        </c:title>
+        <c:numFmt formatCode="0" sourceLinked="0"/>
+        <c:majorTickMark val="none"/>
+        <c:minorTickMark val="none"/>
+        <c:tickLblPos val="nextTo"/>
+        <c:spPr>
+          <a:noFill/>
+          <a:ln>
+            <a:noFill/>
+          </a:ln>
+          <a:effectLst/>
+        </c:spPr>
+        <c:txPr>
+          <a:bodyPr rot="-60000000" spcFirstLastPara="1" vertOverflow="ellipsis" vert="horz" wrap="square" anchor="ctr" anchorCtr="1"/>
+          <a:lstStyle/>
+          <a:p>
+            <a:pPr>
+              <a:defRPr sz="2300" b="0" i="0" u="none" strike="noStrike" kern="1200" baseline="0">
+                <a:solidFill>
+                  <a:sysClr val="windowText" lastClr="000000"/>
+                </a:solidFill>
+                <a:latin typeface="+mn-lt"/>
+                <a:ea typeface="+mn-ea"/>
+                <a:cs typeface="+mn-cs"/>
+              </a:defRPr>
+            </a:pPr>
+            <a:endParaRPr lang="en-US"/>
+          </a:p>
+        </c:txPr>
+        <c:crossAx val="1129570399"/>
+        <c:crosses val="autoZero"/>
+        <c:crossBetween val="between"/>
+      </c:valAx>
+      <c:spPr>
+        <a:noFill/>
+        <a:ln>
+          <a:noFill/>
+        </a:ln>
+        <a:effectLst/>
+      </c:spPr>
+    </c:plotArea>
+    <c:legend>
+      <c:legendPos val="b"/>
+      <c:layout>
+        <c:manualLayout>
+          <c:xMode val="edge"/>
+          <c:yMode val="edge"/>
+          <c:x val="0.26091037244999776"/>
+          <c:y val="0.90958702133675751"/>
+          <c:w val="0.5177625916800026"/>
+          <c:h val="8.7721031147316511E-2"/>
+        </c:manualLayout>
+      </c:layout>
+      <c:overlay val="0"/>
+      <c:spPr>
+        <a:noFill/>
+        <a:ln>
+          <a:noFill/>
+        </a:ln>
+        <a:effectLst/>
+      </c:spPr>
+      <c:txPr>
+        <a:bodyPr rot="0" spcFirstLastPara="1" vertOverflow="ellipsis" vert="horz" wrap="square" anchor="ctr" anchorCtr="1"/>
+        <a:lstStyle/>
+        <a:p>
+          <a:pPr>
+            <a:defRPr sz="2200" b="0" i="0" u="none" strike="noStrike" kern="1200" baseline="0">
+              <a:solidFill>
+                <a:sysClr val="windowText" lastClr="000000"/>
+              </a:solidFill>
+              <a:latin typeface="+mn-lt"/>
+              <a:ea typeface="+mn-ea"/>
+              <a:cs typeface="+mn-cs"/>
+            </a:defRPr>
+          </a:pPr>
+          <a:endParaRPr lang="en-US"/>
+        </a:p>
+      </c:txPr>
+    </c:legend>
+    <c:plotVisOnly val="1"/>
+    <c:dispBlanksAs val="gap"/>
+    <c:extLst>
+      <c:ext xmlns:c16r3="http://schemas.microsoft.com/office/drawing/2017/03/chart" uri="{56B9EC1D-385E-4148-901F-78D8002777C0}">
+        <c16r3:dataDisplayOptions16>
+          <c16r3:dispNaAsBlank val="1"/>
+        </c16r3:dataDisplayOptions16>
+      </c:ext>
+    </c:extLst>
+    <c:showDLblsOverMax val="0"/>
+  </c:chart>
+  <c:spPr>
+    <a:solidFill>
+      <a:schemeClr val="bg1"/>
+    </a:solidFill>
+    <a:ln w="9525" cap="flat" cmpd="sng" algn="ctr">
+      <a:noFill/>
+      <a:round/>
+    </a:ln>
+    <a:effectLst/>
+  </c:spPr>
+  <c:txPr>
+    <a:bodyPr/>
+    <a:lstStyle/>
+    <a:p>
+      <a:pPr>
+        <a:defRPr/>
+      </a:pPr>
+      <a:endParaRPr lang="en-US"/>
+    </a:p>
+  </c:txPr>
+  <c:externalData r:id="rId3">
+    <c:autoUpdate val="0"/>
+  </c:externalData>
+</c:chartSpace>
+</file>
+
+<file path=ppt/charts/chart6.xml><?xml version="1.0" encoding="utf-8"?>
+<c:chartSpace xmlns:c="http://schemas.openxmlformats.org/drawingml/2006/chart" xmlns:a="http://schemas.openxmlformats.org/drawingml/2006/main" xmlns:r="http://schemas.openxmlformats.org/officeDocument/2006/relationships" xmlns:c16r2="http://schemas.microsoft.com/office/drawing/2015/06/chart">
+  <c:date1904 val="0"/>
+  <c:lang val="en-US"/>
+  <c:roundedCorners val="0"/>
+  <mc:AlternateContent xmlns:mc="http://schemas.openxmlformats.org/markup-compatibility/2006">
+    <mc:Choice xmlns:c14="http://schemas.microsoft.com/office/drawing/2007/8/2/chart" Requires="c14">
+      <c14:style val="102"/>
+    </mc:Choice>
+    <mc:Fallback>
+      <c:style val="2"/>
+    </mc:Fallback>
+  </mc:AlternateContent>
+  <c:chart>
+    <c:autoTitleDeleted val="1"/>
+    <c:plotArea>
+      <c:layout/>
+      <c:lineChart>
+        <c:grouping val="standard"/>
+        <c:varyColors val="0"/>
+        <c:ser>
+          <c:idx val="0"/>
+          <c:order val="0"/>
+          <c:tx>
+            <c:strRef>
+              <c:f>Nocturia!$B$24</c:f>
+              <c:strCache>
+                <c:ptCount val="1"/>
+                <c:pt idx="0">
+                  <c:v>No CKD</c:v>
+                </c:pt>
+              </c:strCache>
+            </c:strRef>
+          </c:tx>
+          <c:spPr>
+            <a:ln w="44450" cap="rnd">
+              <a:solidFill>
+                <a:srgbClr val="990099"/>
+              </a:solidFill>
+              <a:round/>
+            </a:ln>
+            <a:effectLst/>
+          </c:spPr>
+          <c:marker>
+            <c:symbol val="circle"/>
+            <c:size val="5"/>
+            <c:spPr>
+              <a:solidFill>
+                <a:srgbClr val="990099"/>
+              </a:solidFill>
+              <a:ln w="44450">
+                <a:solidFill>
+                  <a:srgbClr val="990099"/>
+                </a:solidFill>
+              </a:ln>
+              <a:effectLst/>
+            </c:spPr>
+          </c:marker>
+          <c:cat>
+            <c:strRef>
+              <c:f>Nocturia!$A$25:$A$28</c:f>
+              <c:strCache>
+                <c:ptCount val="4"/>
+                <c:pt idx="0">
+                  <c:v>2005–2008</c:v>
+                </c:pt>
+                <c:pt idx="1">
+                  <c:v>2009–2012</c:v>
+                </c:pt>
+                <c:pt idx="2">
+                  <c:v>2013–2016</c:v>
+                </c:pt>
+                <c:pt idx="3">
+                  <c:v>2017–2020</c:v>
+                </c:pt>
+              </c:strCache>
+            </c:strRef>
+          </c:cat>
+          <c:val>
+            <c:numRef>
+              <c:f>Nocturia!$B$25:$B$28</c:f>
+              <c:numCache>
+                <c:formatCode>0.0</c:formatCode>
+                <c:ptCount val="4"/>
+                <c:pt idx="0">
+                  <c:v>22.6</c:v>
+                </c:pt>
+                <c:pt idx="1">
+                  <c:v>22.5</c:v>
+                </c:pt>
+                <c:pt idx="2">
+                  <c:v>25.2</c:v>
+                </c:pt>
+                <c:pt idx="3">
+                  <c:v>26</c:v>
+                </c:pt>
+              </c:numCache>
+            </c:numRef>
+          </c:val>
+          <c:smooth val="0"/>
+          <c:extLst>
+            <c:ext xmlns:c16="http://schemas.microsoft.com/office/drawing/2014/chart" uri="{C3380CC4-5D6E-409C-BE32-E72D297353CC}">
+              <c16:uniqueId val="{00000000-F409-4D5B-987C-3DD7267FB085}"/>
+            </c:ext>
+          </c:extLst>
+        </c:ser>
+        <c:ser>
+          <c:idx val="1"/>
+          <c:order val="1"/>
+          <c:tx>
+            <c:strRef>
+              <c:f>Nocturia!$C$24</c:f>
+              <c:strCache>
+                <c:ptCount val="1"/>
+                <c:pt idx="0">
+                  <c:v>CKD Stages 1–2</c:v>
+                </c:pt>
+              </c:strCache>
+            </c:strRef>
+          </c:tx>
+          <c:spPr>
+            <a:ln w="44450" cap="rnd">
+              <a:solidFill>
+                <a:srgbClr val="008080"/>
+              </a:solidFill>
+              <a:round/>
+            </a:ln>
+            <a:effectLst/>
+          </c:spPr>
+          <c:marker>
+            <c:symbol val="circle"/>
+            <c:size val="5"/>
+            <c:spPr>
+              <a:solidFill>
+                <a:srgbClr val="008080">
+                  <a:alpha val="95000"/>
+                </a:srgbClr>
+              </a:solidFill>
+              <a:ln w="44450">
+                <a:solidFill>
+                  <a:srgbClr val="008080"/>
+                </a:solidFill>
+              </a:ln>
+              <a:effectLst/>
+            </c:spPr>
+          </c:marker>
+          <c:cat>
+            <c:strRef>
+              <c:f>Nocturia!$A$25:$A$28</c:f>
+              <c:strCache>
+                <c:ptCount val="4"/>
+                <c:pt idx="0">
+                  <c:v>2005–2008</c:v>
+                </c:pt>
+                <c:pt idx="1">
+                  <c:v>2009–2012</c:v>
+                </c:pt>
+                <c:pt idx="2">
+                  <c:v>2013–2016</c:v>
+                </c:pt>
+                <c:pt idx="3">
+                  <c:v>2017–2020</c:v>
+                </c:pt>
+              </c:strCache>
+            </c:strRef>
+          </c:cat>
+          <c:val>
+            <c:numRef>
+              <c:f>Nocturia!$C$25:$C$28</c:f>
+              <c:numCache>
+                <c:formatCode>0.0</c:formatCode>
+                <c:ptCount val="4"/>
+                <c:pt idx="0">
+                  <c:v>31.7</c:v>
+                </c:pt>
+                <c:pt idx="1">
+                  <c:v>35.200000000000003</c:v>
+                </c:pt>
+                <c:pt idx="2">
+                  <c:v>38.4</c:v>
+                </c:pt>
+                <c:pt idx="3">
+                  <c:v>35.9</c:v>
+                </c:pt>
+              </c:numCache>
+            </c:numRef>
+          </c:val>
+          <c:smooth val="0"/>
+          <c:extLst>
+            <c:ext xmlns:c16="http://schemas.microsoft.com/office/drawing/2014/chart" uri="{C3380CC4-5D6E-409C-BE32-E72D297353CC}">
+              <c16:uniqueId val="{00000001-F409-4D5B-987C-3DD7267FB085}"/>
+            </c:ext>
+          </c:extLst>
+        </c:ser>
+        <c:ser>
+          <c:idx val="2"/>
+          <c:order val="2"/>
+          <c:tx>
+            <c:strRef>
+              <c:f>Nocturia!$D$24</c:f>
+              <c:strCache>
+                <c:ptCount val="1"/>
+                <c:pt idx="0">
+                  <c:v>CKD Stages 3–5</c:v>
+                </c:pt>
+              </c:strCache>
+            </c:strRef>
+          </c:tx>
+          <c:spPr>
+            <a:ln w="44450" cap="rnd">
+              <a:solidFill>
+                <a:schemeClr val="tx1">
+                  <a:lumMod val="50000"/>
+                  <a:lumOff val="50000"/>
+                </a:schemeClr>
+              </a:solidFill>
+              <a:round/>
+            </a:ln>
+            <a:effectLst/>
+          </c:spPr>
+          <c:marker>
+            <c:symbol val="circle"/>
+            <c:size val="5"/>
+            <c:spPr>
+              <a:solidFill>
+                <a:schemeClr val="tx1">
+                  <a:lumMod val="50000"/>
+                  <a:lumOff val="50000"/>
+                </a:schemeClr>
+              </a:solidFill>
+              <a:ln w="44450">
+                <a:solidFill>
+                  <a:schemeClr val="tx1">
+                    <a:lumMod val="50000"/>
+                    <a:lumOff val="50000"/>
+                  </a:schemeClr>
+                </a:solidFill>
+              </a:ln>
+              <a:effectLst/>
+            </c:spPr>
+          </c:marker>
+          <c:cat>
+            <c:strRef>
+              <c:f>Nocturia!$A$25:$A$28</c:f>
+              <c:strCache>
+                <c:ptCount val="4"/>
+                <c:pt idx="0">
+                  <c:v>2005–2008</c:v>
+                </c:pt>
+                <c:pt idx="1">
+                  <c:v>2009–2012</c:v>
+                </c:pt>
+                <c:pt idx="2">
+                  <c:v>2013–2016</c:v>
+                </c:pt>
+                <c:pt idx="3">
+                  <c:v>2017–2020</c:v>
+                </c:pt>
+              </c:strCache>
+            </c:strRef>
+          </c:cat>
+          <c:val>
+            <c:numRef>
+              <c:f>Nocturia!$D$25:$D$28</c:f>
+              <c:numCache>
+                <c:formatCode>0.0</c:formatCode>
+                <c:ptCount val="4"/>
+                <c:pt idx="0">
+                  <c:v>36.4</c:v>
+                </c:pt>
+                <c:pt idx="1">
+                  <c:v>37.299999999999997</c:v>
+                </c:pt>
+                <c:pt idx="2">
+                  <c:v>37.1</c:v>
+                </c:pt>
+                <c:pt idx="3">
+                  <c:v>39.4</c:v>
+                </c:pt>
+              </c:numCache>
+            </c:numRef>
+          </c:val>
+          <c:smooth val="0"/>
+          <c:extLst>
+            <c:ext xmlns:c16="http://schemas.microsoft.com/office/drawing/2014/chart" uri="{C3380CC4-5D6E-409C-BE32-E72D297353CC}">
+              <c16:uniqueId val="{00000002-F409-4D5B-987C-3DD7267FB085}"/>
+            </c:ext>
+          </c:extLst>
+        </c:ser>
+        <c:dLbls>
+          <c:showLegendKey val="0"/>
+          <c:showVal val="0"/>
+          <c:showCatName val="0"/>
+          <c:showSerName val="0"/>
+          <c:showPercent val="0"/>
+          <c:showBubbleSize val="0"/>
+        </c:dLbls>
+        <c:marker val="1"/>
+        <c:smooth val="0"/>
+        <c:axId val="1276905343"/>
+        <c:axId val="1276909087"/>
+      </c:lineChart>
+      <c:catAx>
+        <c:axId val="1276905343"/>
+        <c:scaling>
+          <c:orientation val="minMax"/>
+        </c:scaling>
+        <c:delete val="0"/>
+        <c:axPos val="b"/>
+        <c:numFmt formatCode="General" sourceLinked="1"/>
+        <c:majorTickMark val="none"/>
+        <c:minorTickMark val="none"/>
+        <c:tickLblPos val="nextTo"/>
+        <c:spPr>
+          <a:noFill/>
+          <a:ln w="9525" cap="flat" cmpd="sng" algn="ctr">
+            <a:solidFill>
+              <a:schemeClr val="tx1">
+                <a:lumMod val="15000"/>
+                <a:lumOff val="85000"/>
+              </a:schemeClr>
+            </a:solidFill>
+            <a:round/>
+          </a:ln>
+          <a:effectLst/>
+        </c:spPr>
+        <c:txPr>
+          <a:bodyPr rot="-60000000" spcFirstLastPara="1" vertOverflow="ellipsis" vert="horz" wrap="square" anchor="ctr" anchorCtr="1"/>
+          <a:lstStyle/>
+          <a:p>
+            <a:pPr>
+              <a:defRPr sz="2300" b="0" i="0" u="none" strike="noStrike" kern="1200" baseline="0">
+                <a:solidFill>
+                  <a:sysClr val="windowText" lastClr="000000"/>
+                </a:solidFill>
+                <a:latin typeface="+mn-lt"/>
+                <a:ea typeface="+mn-ea"/>
+                <a:cs typeface="+mn-cs"/>
+              </a:defRPr>
+            </a:pPr>
+            <a:endParaRPr lang="en-US"/>
+          </a:p>
+        </c:txPr>
+        <c:crossAx val="1276909087"/>
+        <c:crosses val="autoZero"/>
+        <c:auto val="1"/>
+        <c:lblAlgn val="ctr"/>
+        <c:lblOffset val="100"/>
+        <c:noMultiLvlLbl val="0"/>
+      </c:catAx>
+      <c:valAx>
+        <c:axId val="1276909087"/>
         <c:scaling>
           <c:orientation val="minMax"/>
           <c:max val="60"/>
@@ -1603,9 +3265,9 @@
               <a:lstStyle/>
               <a:p>
                 <a:pPr>
-                  <a:defRPr sz="2800" b="0" i="0" u="none" strike="noStrike" kern="1200" baseline="0">
+                  <a:defRPr sz="2400" b="0" i="0" u="none" strike="noStrike" kern="1200" baseline="0">
                     <a:solidFill>
-                      <a:schemeClr val="tx1"/>
+                      <a:sysClr val="windowText" lastClr="000000"/>
                     </a:solidFill>
                     <a:latin typeface="+mn-lt"/>
                     <a:ea typeface="+mn-ea"/>
@@ -1613,24 +3275,24 @@
                   </a:defRPr>
                 </a:pPr>
                 <a:r>
-                  <a:rPr lang="en-US" sz="2800">
+                  <a:rPr lang="en-US" sz="2400">
                     <a:solidFill>
-                      <a:schemeClr val="tx1"/>
+                      <a:sysClr val="windowText" lastClr="000000"/>
                     </a:solidFill>
                   </a:rPr>
-                  <a:t>Trouble</a:t>
+                  <a:t>Nocturia</a:t>
                 </a:r>
                 <a:r>
-                  <a:rPr lang="en-US" sz="2800" baseline="0">
+                  <a:rPr lang="en-US" sz="2400" baseline="0">
                     <a:solidFill>
-                      <a:schemeClr val="tx1"/>
+                      <a:sysClr val="windowText" lastClr="000000"/>
                     </a:solidFill>
                   </a:rPr>
-                  <a:t> Sleeping (%)</a:t>
+                  <a:t> (%)</a:t>
                 </a:r>
-                <a:endParaRPr lang="en-US" sz="2800">
+                <a:endParaRPr lang="en-US" sz="2400">
                   <a:solidFill>
-                    <a:schemeClr val="tx1"/>
+                    <a:sysClr val="windowText" lastClr="000000"/>
                   </a:solidFill>
                 </a:endParaRPr>
               </a:p>
@@ -1640,8 +3302,8 @@
             <c:manualLayout>
               <c:xMode val="edge"/>
               <c:yMode val="edge"/>
-              <c:x val="2.168174914011378E-3"/>
-              <c:y val="8.230600199913124E-2"/>
+              <c:x val="0"/>
+              <c:y val="0.20880393817800411"/>
             </c:manualLayout>
           </c:layout>
           <c:overlay val="0"/>
@@ -1657,9 +3319,9 @@
             <a:lstStyle/>
             <a:p>
               <a:pPr>
-                <a:defRPr sz="2800" b="0" i="0" u="none" strike="noStrike" kern="1200" baseline="0">
+                <a:defRPr sz="2400" b="0" i="0" u="none" strike="noStrike" kern="1200" baseline="0">
                   <a:solidFill>
-                    <a:schemeClr val="tx1"/>
+                    <a:sysClr val="windowText" lastClr="000000"/>
                   </a:solidFill>
                   <a:latin typeface="+mn-lt"/>
                   <a:ea typeface="+mn-ea"/>
@@ -1686,9 +3348,9 @@
           <a:lstStyle/>
           <a:p>
             <a:pPr>
-              <a:defRPr sz="2400" b="0" i="0" u="none" strike="noStrike" kern="1200" baseline="0">
+              <a:defRPr sz="2300" b="0" i="0" u="none" strike="noStrike" kern="1200" baseline="0">
                 <a:solidFill>
-                  <a:schemeClr val="tx1"/>
+                  <a:sysClr val="windowText" lastClr="000000"/>
                 </a:solidFill>
                 <a:latin typeface="+mn-lt"/>
                 <a:ea typeface="+mn-ea"/>
@@ -1698,7 +3360,7 @@
             <a:endParaRPr lang="en-US"/>
           </a:p>
         </c:txPr>
-        <c:crossAx val="1083857455"/>
+        <c:crossAx val="1276905343"/>
         <c:crosses val="autoZero"/>
         <c:crossBetween val="between"/>
       </c:valAx>
@@ -1712,6 +3374,16 @@
     </c:plotArea>
     <c:legend>
       <c:legendPos val="b"/>
+      <c:layout>
+        <c:manualLayout>
+          <c:xMode val="edge"/>
+          <c:yMode val="edge"/>
+          <c:x val="0.26820201771653546"/>
+          <c:y val="0.91301200412819261"/>
+          <c:w val="0.51776254921259846"/>
+          <c:h val="8.698799587180743E-2"/>
+        </c:manualLayout>
+      </c:layout>
       <c:overlay val="0"/>
       <c:spPr>
         <a:noFill/>
@@ -1725,9 +3397,9 @@
         <a:lstStyle/>
         <a:p>
           <a:pPr>
-            <a:defRPr sz="2400" b="0" i="0" u="none" strike="noStrike" kern="1200" baseline="0">
+            <a:defRPr sz="2200" b="0" i="0" u="none" strike="noStrike" kern="1200" baseline="0">
               <a:solidFill>
-                <a:schemeClr val="tx1"/>
+                <a:sysClr val="windowText" lastClr="000000"/>
               </a:solidFill>
               <a:latin typeface="+mn-lt"/>
               <a:ea typeface="+mn-ea"/>
@@ -1750,9 +3422,12 @@
     <c:showDLblsOverMax val="0"/>
   </c:chart>
   <c:spPr>
-    <a:noFill/>
-    <a:ln>
+    <a:solidFill>
+      <a:schemeClr val="bg1"/>
+    </a:solidFill>
+    <a:ln w="9525" cap="flat" cmpd="sng" algn="ctr">
       <a:noFill/>
+      <a:round/>
     </a:ln>
     <a:effectLst/>
   </c:spPr>
@@ -1892,6 +3567,126 @@
 </cs:colorStyle>
 </file>
 
+<file path=ppt/charts/colors4.xml><?xml version="1.0" encoding="utf-8"?>
+<cs:colorStyle xmlns:cs="http://schemas.microsoft.com/office/drawing/2012/chartStyle" xmlns:a="http://schemas.openxmlformats.org/drawingml/2006/main" meth="cycle" id="10">
+  <a:schemeClr val="accent1"/>
+  <a:schemeClr val="accent2"/>
+  <a:schemeClr val="accent3"/>
+  <a:schemeClr val="accent4"/>
+  <a:schemeClr val="accent5"/>
+  <a:schemeClr val="accent6"/>
+  <cs:variation/>
+  <cs:variation>
+    <a:lumMod val="60000"/>
+  </cs:variation>
+  <cs:variation>
+    <a:lumMod val="80000"/>
+    <a:lumOff val="20000"/>
+  </cs:variation>
+  <cs:variation>
+    <a:lumMod val="80000"/>
+  </cs:variation>
+  <cs:variation>
+    <a:lumMod val="60000"/>
+    <a:lumOff val="40000"/>
+  </cs:variation>
+  <cs:variation>
+    <a:lumMod val="50000"/>
+  </cs:variation>
+  <cs:variation>
+    <a:lumMod val="70000"/>
+    <a:lumOff val="30000"/>
+  </cs:variation>
+  <cs:variation>
+    <a:lumMod val="70000"/>
+  </cs:variation>
+  <cs:variation>
+    <a:lumMod val="50000"/>
+    <a:lumOff val="50000"/>
+  </cs:variation>
+</cs:colorStyle>
+</file>
+
+<file path=ppt/charts/colors5.xml><?xml version="1.0" encoding="utf-8"?>
+<cs:colorStyle xmlns:cs="http://schemas.microsoft.com/office/drawing/2012/chartStyle" xmlns:a="http://schemas.openxmlformats.org/drawingml/2006/main" meth="cycle" id="10">
+  <a:schemeClr val="accent1"/>
+  <a:schemeClr val="accent2"/>
+  <a:schemeClr val="accent3"/>
+  <a:schemeClr val="accent4"/>
+  <a:schemeClr val="accent5"/>
+  <a:schemeClr val="accent6"/>
+  <cs:variation/>
+  <cs:variation>
+    <a:lumMod val="60000"/>
+  </cs:variation>
+  <cs:variation>
+    <a:lumMod val="80000"/>
+    <a:lumOff val="20000"/>
+  </cs:variation>
+  <cs:variation>
+    <a:lumMod val="80000"/>
+  </cs:variation>
+  <cs:variation>
+    <a:lumMod val="60000"/>
+    <a:lumOff val="40000"/>
+  </cs:variation>
+  <cs:variation>
+    <a:lumMod val="50000"/>
+  </cs:variation>
+  <cs:variation>
+    <a:lumMod val="70000"/>
+    <a:lumOff val="30000"/>
+  </cs:variation>
+  <cs:variation>
+    <a:lumMod val="70000"/>
+  </cs:variation>
+  <cs:variation>
+    <a:lumMod val="50000"/>
+    <a:lumOff val="50000"/>
+  </cs:variation>
+</cs:colorStyle>
+</file>
+
+<file path=ppt/charts/colors6.xml><?xml version="1.0" encoding="utf-8"?>
+<cs:colorStyle xmlns:cs="http://schemas.microsoft.com/office/drawing/2012/chartStyle" xmlns:a="http://schemas.openxmlformats.org/drawingml/2006/main" meth="cycle" id="10">
+  <a:schemeClr val="accent1"/>
+  <a:schemeClr val="accent2"/>
+  <a:schemeClr val="accent3"/>
+  <a:schemeClr val="accent4"/>
+  <a:schemeClr val="accent5"/>
+  <a:schemeClr val="accent6"/>
+  <cs:variation/>
+  <cs:variation>
+    <a:lumMod val="60000"/>
+  </cs:variation>
+  <cs:variation>
+    <a:lumMod val="80000"/>
+    <a:lumOff val="20000"/>
+  </cs:variation>
+  <cs:variation>
+    <a:lumMod val="80000"/>
+  </cs:variation>
+  <cs:variation>
+    <a:lumMod val="60000"/>
+    <a:lumOff val="40000"/>
+  </cs:variation>
+  <cs:variation>
+    <a:lumMod val="50000"/>
+  </cs:variation>
+  <cs:variation>
+    <a:lumMod val="70000"/>
+    <a:lumOff val="30000"/>
+  </cs:variation>
+  <cs:variation>
+    <a:lumMod val="70000"/>
+  </cs:variation>
+  <cs:variation>
+    <a:lumMod val="50000"/>
+    <a:lumOff val="50000"/>
+  </cs:variation>
+</cs:colorStyle>
+</file>
+
 <file path=ppt/charts/style1.xml><?xml version="1.0" encoding="utf-8"?>
 <cs:chartStyle xmlns:cs="http://schemas.microsoft.com/office/drawing/2012/chartStyle" xmlns:a="http://schemas.openxmlformats.org/drawingml/2006/main" id="332">
   <cs:axisTitle>
@@ -2899,6 +4694,1515 @@
 </file>
 
 <file path=ppt/charts/style3.xml><?xml version="1.0" encoding="utf-8"?>
+<cs:chartStyle xmlns:cs="http://schemas.microsoft.com/office/drawing/2012/chartStyle" xmlns:a="http://schemas.openxmlformats.org/drawingml/2006/main" id="332">
+  <cs:axisTitle>
+    <cs:lnRef idx="0"/>
+    <cs:fillRef idx="0"/>
+    <cs:effectRef idx="0"/>
+    <cs:fontRef idx="minor">
+      <a:schemeClr val="tx1">
+        <a:lumMod val="65000"/>
+        <a:lumOff val="35000"/>
+      </a:schemeClr>
+    </cs:fontRef>
+    <cs:defRPr sz="1000" kern="1200"/>
+  </cs:axisTitle>
+  <cs:categoryAxis>
+    <cs:lnRef idx="0"/>
+    <cs:fillRef idx="0"/>
+    <cs:effectRef idx="0"/>
+    <cs:fontRef idx="minor">
+      <a:schemeClr val="tx1">
+        <a:lumMod val="65000"/>
+        <a:lumOff val="35000"/>
+      </a:schemeClr>
+    </cs:fontRef>
+    <cs:spPr>
+      <a:ln w="9525" cap="flat" cmpd="sng" algn="ctr">
+        <a:solidFill>
+          <a:schemeClr val="tx1">
+            <a:lumMod val="15000"/>
+            <a:lumOff val="85000"/>
+          </a:schemeClr>
+        </a:solidFill>
+        <a:round/>
+      </a:ln>
+    </cs:spPr>
+    <cs:defRPr sz="900" kern="1200"/>
+  </cs:categoryAxis>
+  <cs:chartArea mods="allowNoFillOverride allowNoLineOverride">
+    <cs:lnRef idx="0"/>
+    <cs:fillRef idx="0"/>
+    <cs:effectRef idx="0"/>
+    <cs:fontRef idx="minor">
+      <a:schemeClr val="tx1"/>
+    </cs:fontRef>
+    <cs:spPr>
+      <a:solidFill>
+        <a:schemeClr val="bg1"/>
+      </a:solidFill>
+      <a:ln w="9525" cap="flat" cmpd="sng" algn="ctr">
+        <a:solidFill>
+          <a:schemeClr val="tx1">
+            <a:lumMod val="15000"/>
+            <a:lumOff val="85000"/>
+          </a:schemeClr>
+        </a:solidFill>
+        <a:round/>
+      </a:ln>
+    </cs:spPr>
+    <cs:defRPr sz="1000" kern="1200"/>
+  </cs:chartArea>
+  <cs:dataLabel>
+    <cs:lnRef idx="0"/>
+    <cs:fillRef idx="0"/>
+    <cs:effectRef idx="0"/>
+    <cs:fontRef idx="minor">
+      <a:schemeClr val="tx1">
+        <a:lumMod val="75000"/>
+        <a:lumOff val="25000"/>
+      </a:schemeClr>
+    </cs:fontRef>
+    <cs:defRPr sz="900" kern="1200"/>
+  </cs:dataLabel>
+  <cs:dataLabelCallout>
+    <cs:lnRef idx="0"/>
+    <cs:fillRef idx="0"/>
+    <cs:effectRef idx="0"/>
+    <cs:fontRef idx="minor">
+      <a:schemeClr val="dk1">
+        <a:lumMod val="65000"/>
+        <a:lumOff val="35000"/>
+      </a:schemeClr>
+    </cs:fontRef>
+    <cs:spPr>
+      <a:solidFill>
+        <a:schemeClr val="lt1"/>
+      </a:solidFill>
+      <a:ln>
+        <a:solidFill>
+          <a:schemeClr val="dk1">
+            <a:lumMod val="25000"/>
+            <a:lumOff val="75000"/>
+          </a:schemeClr>
+        </a:solidFill>
+      </a:ln>
+    </cs:spPr>
+    <cs:defRPr sz="900" kern="1200"/>
+    <cs:bodyPr rot="0" spcFirstLastPara="1" vertOverflow="clip" horzOverflow="clip" vert="horz" wrap="square" lIns="36576" tIns="18288" rIns="36576" bIns="18288" anchor="ctr" anchorCtr="1">
+      <a:spAutoFit/>
+    </cs:bodyPr>
+  </cs:dataLabelCallout>
+  <cs:dataPoint>
+    <cs:lnRef idx="0"/>
+    <cs:fillRef idx="1">
+      <cs:styleClr val="auto"/>
+    </cs:fillRef>
+    <cs:effectRef idx="0"/>
+    <cs:fontRef idx="minor">
+      <a:schemeClr val="tx1"/>
+    </cs:fontRef>
+  </cs:dataPoint>
+  <cs:dataPoint3D>
+    <cs:lnRef idx="0"/>
+    <cs:fillRef idx="1">
+      <cs:styleClr val="auto"/>
+    </cs:fillRef>
+    <cs:effectRef idx="0"/>
+    <cs:fontRef idx="minor">
+      <a:schemeClr val="tx1"/>
+    </cs:fontRef>
+  </cs:dataPoint3D>
+  <cs:dataPointLine>
+    <cs:lnRef idx="0">
+      <cs:styleClr val="auto"/>
+    </cs:lnRef>
+    <cs:fillRef idx="1"/>
+    <cs:effectRef idx="0"/>
+    <cs:fontRef idx="minor">
+      <a:schemeClr val="tx1"/>
+    </cs:fontRef>
+    <cs:spPr>
+      <a:ln w="28575" cap="rnd">
+        <a:solidFill>
+          <a:schemeClr val="phClr"/>
+        </a:solidFill>
+        <a:round/>
+      </a:ln>
+    </cs:spPr>
+  </cs:dataPointLine>
+  <cs:dataPointMarker>
+    <cs:lnRef idx="0">
+      <cs:styleClr val="auto"/>
+    </cs:lnRef>
+    <cs:fillRef idx="1">
+      <cs:styleClr val="auto"/>
+    </cs:fillRef>
+    <cs:effectRef idx="0"/>
+    <cs:fontRef idx="minor">
+      <a:schemeClr val="tx1"/>
+    </cs:fontRef>
+    <cs:spPr>
+      <a:ln w="9525">
+        <a:solidFill>
+          <a:schemeClr val="phClr"/>
+        </a:solidFill>
+      </a:ln>
+    </cs:spPr>
+  </cs:dataPointMarker>
+  <cs:dataPointMarkerLayout symbol="circle" size="5"/>
+  <cs:dataPointWireframe>
+    <cs:lnRef idx="0">
+      <cs:styleClr val="auto"/>
+    </cs:lnRef>
+    <cs:fillRef idx="1"/>
+    <cs:effectRef idx="0"/>
+    <cs:fontRef idx="minor">
+      <a:schemeClr val="tx1"/>
+    </cs:fontRef>
+    <cs:spPr>
+      <a:ln w="9525" cap="rnd">
+        <a:solidFill>
+          <a:schemeClr val="phClr"/>
+        </a:solidFill>
+        <a:round/>
+      </a:ln>
+    </cs:spPr>
+  </cs:dataPointWireframe>
+  <cs:dataTable>
+    <cs:lnRef idx="0"/>
+    <cs:fillRef idx="0"/>
+    <cs:effectRef idx="0"/>
+    <cs:fontRef idx="minor">
+      <a:schemeClr val="tx1">
+        <a:lumMod val="65000"/>
+        <a:lumOff val="35000"/>
+      </a:schemeClr>
+    </cs:fontRef>
+    <cs:spPr>
+      <a:noFill/>
+      <a:ln w="9525" cap="flat" cmpd="sng" algn="ctr">
+        <a:solidFill>
+          <a:schemeClr val="tx1">
+            <a:lumMod val="15000"/>
+            <a:lumOff val="85000"/>
+          </a:schemeClr>
+        </a:solidFill>
+        <a:round/>
+      </a:ln>
+    </cs:spPr>
+    <cs:defRPr sz="900" kern="1200"/>
+  </cs:dataTable>
+  <cs:downBar>
+    <cs:lnRef idx="0"/>
+    <cs:fillRef idx="0"/>
+    <cs:effectRef idx="0"/>
+    <cs:fontRef idx="minor">
+      <a:schemeClr val="dk1"/>
+    </cs:fontRef>
+    <cs:spPr>
+      <a:solidFill>
+        <a:schemeClr val="dk1">
+          <a:lumMod val="65000"/>
+          <a:lumOff val="35000"/>
+        </a:schemeClr>
+      </a:solidFill>
+      <a:ln w="9525">
+        <a:solidFill>
+          <a:schemeClr val="tx1">
+            <a:lumMod val="65000"/>
+            <a:lumOff val="35000"/>
+          </a:schemeClr>
+        </a:solidFill>
+      </a:ln>
+    </cs:spPr>
+  </cs:downBar>
+  <cs:dropLine>
+    <cs:lnRef idx="0"/>
+    <cs:fillRef idx="0"/>
+    <cs:effectRef idx="0"/>
+    <cs:fontRef idx="minor">
+      <a:schemeClr val="tx1"/>
+    </cs:fontRef>
+    <cs:spPr>
+      <a:ln w="9525" cap="flat" cmpd="sng" algn="ctr">
+        <a:solidFill>
+          <a:schemeClr val="tx1">
+            <a:lumMod val="35000"/>
+            <a:lumOff val="65000"/>
+          </a:schemeClr>
+        </a:solidFill>
+        <a:round/>
+      </a:ln>
+    </cs:spPr>
+  </cs:dropLine>
+  <cs:errorBar>
+    <cs:lnRef idx="0"/>
+    <cs:fillRef idx="0"/>
+    <cs:effectRef idx="0"/>
+    <cs:fontRef idx="minor">
+      <a:schemeClr val="tx1"/>
+    </cs:fontRef>
+    <cs:spPr>
+      <a:ln w="9525" cap="flat" cmpd="sng" algn="ctr">
+        <a:solidFill>
+          <a:schemeClr val="tx1">
+            <a:lumMod val="65000"/>
+            <a:lumOff val="35000"/>
+          </a:schemeClr>
+        </a:solidFill>
+        <a:round/>
+      </a:ln>
+    </cs:spPr>
+  </cs:errorBar>
+  <cs:floor>
+    <cs:lnRef idx="0"/>
+    <cs:fillRef idx="0"/>
+    <cs:effectRef idx="0"/>
+    <cs:fontRef idx="minor">
+      <a:schemeClr val="tx1"/>
+    </cs:fontRef>
+    <cs:spPr>
+      <a:noFill/>
+      <a:ln>
+        <a:noFill/>
+      </a:ln>
+    </cs:spPr>
+  </cs:floor>
+  <cs:gridlineMajor>
+    <cs:lnRef idx="0"/>
+    <cs:fillRef idx="0"/>
+    <cs:effectRef idx="0"/>
+    <cs:fontRef idx="minor">
+      <a:schemeClr val="tx1"/>
+    </cs:fontRef>
+    <cs:spPr>
+      <a:ln w="9525" cap="flat" cmpd="sng" algn="ctr">
+        <a:solidFill>
+          <a:schemeClr val="tx1">
+            <a:lumMod val="15000"/>
+            <a:lumOff val="85000"/>
+          </a:schemeClr>
+        </a:solidFill>
+        <a:round/>
+      </a:ln>
+    </cs:spPr>
+  </cs:gridlineMajor>
+  <cs:gridlineMinor>
+    <cs:lnRef idx="0"/>
+    <cs:fillRef idx="0"/>
+    <cs:effectRef idx="0"/>
+    <cs:fontRef idx="minor">
+      <a:schemeClr val="tx1"/>
+    </cs:fontRef>
+    <cs:spPr>
+      <a:ln w="9525" cap="flat" cmpd="sng" algn="ctr">
+        <a:solidFill>
+          <a:schemeClr val="tx1">
+            <a:lumMod val="5000"/>
+            <a:lumOff val="95000"/>
+          </a:schemeClr>
+        </a:solidFill>
+        <a:round/>
+      </a:ln>
+    </cs:spPr>
+  </cs:gridlineMinor>
+  <cs:hiLoLine>
+    <cs:lnRef idx="0"/>
+    <cs:fillRef idx="0"/>
+    <cs:effectRef idx="0"/>
+    <cs:fontRef idx="minor">
+      <a:schemeClr val="tx1"/>
+    </cs:fontRef>
+    <cs:spPr>
+      <a:ln w="9525" cap="flat" cmpd="sng" algn="ctr">
+        <a:solidFill>
+          <a:schemeClr val="tx1">
+            <a:lumMod val="75000"/>
+            <a:lumOff val="25000"/>
+          </a:schemeClr>
+        </a:solidFill>
+        <a:round/>
+      </a:ln>
+    </cs:spPr>
+  </cs:hiLoLine>
+  <cs:leaderLine>
+    <cs:lnRef idx="0"/>
+    <cs:fillRef idx="0"/>
+    <cs:effectRef idx="0"/>
+    <cs:fontRef idx="minor">
+      <a:schemeClr val="tx1"/>
+    </cs:fontRef>
+    <cs:spPr>
+      <a:ln w="9525" cap="flat" cmpd="sng" algn="ctr">
+        <a:solidFill>
+          <a:schemeClr val="tx1">
+            <a:lumMod val="35000"/>
+            <a:lumOff val="65000"/>
+          </a:schemeClr>
+        </a:solidFill>
+        <a:round/>
+      </a:ln>
+    </cs:spPr>
+  </cs:leaderLine>
+  <cs:legend>
+    <cs:lnRef idx="0"/>
+    <cs:fillRef idx="0"/>
+    <cs:effectRef idx="0"/>
+    <cs:fontRef idx="minor">
+      <a:schemeClr val="tx1">
+        <a:lumMod val="65000"/>
+        <a:lumOff val="35000"/>
+      </a:schemeClr>
+    </cs:fontRef>
+    <cs:defRPr sz="900" kern="1200"/>
+  </cs:legend>
+  <cs:plotArea mods="allowNoFillOverride allowNoLineOverride">
+    <cs:lnRef idx="0"/>
+    <cs:fillRef idx="0"/>
+    <cs:effectRef idx="0"/>
+    <cs:fontRef idx="minor">
+      <a:schemeClr val="tx1"/>
+    </cs:fontRef>
+  </cs:plotArea>
+  <cs:plotArea3D mods="allowNoFillOverride allowNoLineOverride">
+    <cs:lnRef idx="0"/>
+    <cs:fillRef idx="0"/>
+    <cs:effectRef idx="0"/>
+    <cs:fontRef idx="minor">
+      <a:schemeClr val="tx1"/>
+    </cs:fontRef>
+  </cs:plotArea3D>
+  <cs:seriesAxis>
+    <cs:lnRef idx="0"/>
+    <cs:fillRef idx="0"/>
+    <cs:effectRef idx="0"/>
+    <cs:fontRef idx="minor">
+      <a:schemeClr val="tx1">
+        <a:lumMod val="65000"/>
+        <a:lumOff val="35000"/>
+      </a:schemeClr>
+    </cs:fontRef>
+    <cs:defRPr sz="900" kern="1200"/>
+  </cs:seriesAxis>
+  <cs:seriesLine>
+    <cs:lnRef idx="0"/>
+    <cs:fillRef idx="0"/>
+    <cs:effectRef idx="0"/>
+    <cs:fontRef idx="minor">
+      <a:schemeClr val="tx1"/>
+    </cs:fontRef>
+    <cs:spPr>
+      <a:ln w="9525" cap="flat" cmpd="sng" algn="ctr">
+        <a:solidFill>
+          <a:schemeClr val="tx1">
+            <a:lumMod val="35000"/>
+            <a:lumOff val="65000"/>
+          </a:schemeClr>
+        </a:solidFill>
+        <a:round/>
+      </a:ln>
+    </cs:spPr>
+  </cs:seriesLine>
+  <cs:title>
+    <cs:lnRef idx="0"/>
+    <cs:fillRef idx="0"/>
+    <cs:effectRef idx="0"/>
+    <cs:fontRef idx="minor">
+      <a:schemeClr val="tx1">
+        <a:lumMod val="65000"/>
+        <a:lumOff val="35000"/>
+      </a:schemeClr>
+    </cs:fontRef>
+    <cs:defRPr sz="1400" b="0" kern="1200" spc="0" baseline="0"/>
+  </cs:title>
+  <cs:trendline>
+    <cs:lnRef idx="0">
+      <cs:styleClr val="auto"/>
+    </cs:lnRef>
+    <cs:fillRef idx="0"/>
+    <cs:effectRef idx="0"/>
+    <cs:fontRef idx="minor">
+      <a:schemeClr val="tx1"/>
+    </cs:fontRef>
+    <cs:spPr>
+      <a:ln w="19050" cap="rnd">
+        <a:solidFill>
+          <a:schemeClr val="phClr"/>
+        </a:solidFill>
+        <a:prstDash val="sysDot"/>
+      </a:ln>
+    </cs:spPr>
+  </cs:trendline>
+  <cs:trendlineLabel>
+    <cs:lnRef idx="0"/>
+    <cs:fillRef idx="0"/>
+    <cs:effectRef idx="0"/>
+    <cs:fontRef idx="minor">
+      <a:schemeClr val="tx1">
+        <a:lumMod val="65000"/>
+        <a:lumOff val="35000"/>
+      </a:schemeClr>
+    </cs:fontRef>
+    <cs:defRPr sz="900" kern="1200"/>
+  </cs:trendlineLabel>
+  <cs:upBar>
+    <cs:lnRef idx="0"/>
+    <cs:fillRef idx="0"/>
+    <cs:effectRef idx="0"/>
+    <cs:fontRef idx="minor">
+      <a:schemeClr val="dk1"/>
+    </cs:fontRef>
+    <cs:spPr>
+      <a:solidFill>
+        <a:schemeClr val="lt1"/>
+      </a:solidFill>
+      <a:ln w="9525">
+        <a:solidFill>
+          <a:schemeClr val="tx1">
+            <a:lumMod val="15000"/>
+            <a:lumOff val="85000"/>
+          </a:schemeClr>
+        </a:solidFill>
+      </a:ln>
+    </cs:spPr>
+  </cs:upBar>
+  <cs:valueAxis>
+    <cs:lnRef idx="0"/>
+    <cs:fillRef idx="0"/>
+    <cs:effectRef idx="0"/>
+    <cs:fontRef idx="minor">
+      <a:schemeClr val="tx1">
+        <a:lumMod val="65000"/>
+        <a:lumOff val="35000"/>
+      </a:schemeClr>
+    </cs:fontRef>
+    <cs:defRPr sz="900" kern="1200"/>
+  </cs:valueAxis>
+  <cs:wall>
+    <cs:lnRef idx="0"/>
+    <cs:fillRef idx="0"/>
+    <cs:effectRef idx="0"/>
+    <cs:fontRef idx="minor">
+      <a:schemeClr val="tx1"/>
+    </cs:fontRef>
+    <cs:spPr>
+      <a:noFill/>
+      <a:ln>
+        <a:noFill/>
+      </a:ln>
+    </cs:spPr>
+  </cs:wall>
+</cs:chartStyle>
+</file>
+
+<file path=ppt/charts/style4.xml><?xml version="1.0" encoding="utf-8"?>
+<cs:chartStyle xmlns:cs="http://schemas.microsoft.com/office/drawing/2012/chartStyle" xmlns:a="http://schemas.openxmlformats.org/drawingml/2006/main" id="332">
+  <cs:axisTitle>
+    <cs:lnRef idx="0"/>
+    <cs:fillRef idx="0"/>
+    <cs:effectRef idx="0"/>
+    <cs:fontRef idx="minor">
+      <a:schemeClr val="tx1">
+        <a:lumMod val="65000"/>
+        <a:lumOff val="35000"/>
+      </a:schemeClr>
+    </cs:fontRef>
+    <cs:defRPr sz="1000" kern="1200"/>
+  </cs:axisTitle>
+  <cs:categoryAxis>
+    <cs:lnRef idx="0"/>
+    <cs:fillRef idx="0"/>
+    <cs:effectRef idx="0"/>
+    <cs:fontRef idx="minor">
+      <a:schemeClr val="tx1">
+        <a:lumMod val="65000"/>
+        <a:lumOff val="35000"/>
+      </a:schemeClr>
+    </cs:fontRef>
+    <cs:spPr>
+      <a:ln w="9525" cap="flat" cmpd="sng" algn="ctr">
+        <a:solidFill>
+          <a:schemeClr val="tx1">
+            <a:lumMod val="15000"/>
+            <a:lumOff val="85000"/>
+          </a:schemeClr>
+        </a:solidFill>
+        <a:round/>
+      </a:ln>
+    </cs:spPr>
+    <cs:defRPr sz="900" kern="1200"/>
+  </cs:categoryAxis>
+  <cs:chartArea mods="allowNoFillOverride allowNoLineOverride">
+    <cs:lnRef idx="0"/>
+    <cs:fillRef idx="0"/>
+    <cs:effectRef idx="0"/>
+    <cs:fontRef idx="minor">
+      <a:schemeClr val="tx1"/>
+    </cs:fontRef>
+    <cs:spPr>
+      <a:solidFill>
+        <a:schemeClr val="bg1"/>
+      </a:solidFill>
+      <a:ln w="9525" cap="flat" cmpd="sng" algn="ctr">
+        <a:solidFill>
+          <a:schemeClr val="tx1">
+            <a:lumMod val="15000"/>
+            <a:lumOff val="85000"/>
+          </a:schemeClr>
+        </a:solidFill>
+        <a:round/>
+      </a:ln>
+    </cs:spPr>
+    <cs:defRPr sz="1000" kern="1200"/>
+  </cs:chartArea>
+  <cs:dataLabel>
+    <cs:lnRef idx="0"/>
+    <cs:fillRef idx="0"/>
+    <cs:effectRef idx="0"/>
+    <cs:fontRef idx="minor">
+      <a:schemeClr val="tx1">
+        <a:lumMod val="75000"/>
+        <a:lumOff val="25000"/>
+      </a:schemeClr>
+    </cs:fontRef>
+    <cs:defRPr sz="900" kern="1200"/>
+  </cs:dataLabel>
+  <cs:dataLabelCallout>
+    <cs:lnRef idx="0"/>
+    <cs:fillRef idx="0"/>
+    <cs:effectRef idx="0"/>
+    <cs:fontRef idx="minor">
+      <a:schemeClr val="dk1">
+        <a:lumMod val="65000"/>
+        <a:lumOff val="35000"/>
+      </a:schemeClr>
+    </cs:fontRef>
+    <cs:spPr>
+      <a:solidFill>
+        <a:schemeClr val="lt1"/>
+      </a:solidFill>
+      <a:ln>
+        <a:solidFill>
+          <a:schemeClr val="dk1">
+            <a:lumMod val="25000"/>
+            <a:lumOff val="75000"/>
+          </a:schemeClr>
+        </a:solidFill>
+      </a:ln>
+    </cs:spPr>
+    <cs:defRPr sz="900" kern="1200"/>
+    <cs:bodyPr rot="0" spcFirstLastPara="1" vertOverflow="clip" horzOverflow="clip" vert="horz" wrap="square" lIns="36576" tIns="18288" rIns="36576" bIns="18288" anchor="ctr" anchorCtr="1">
+      <a:spAutoFit/>
+    </cs:bodyPr>
+  </cs:dataLabelCallout>
+  <cs:dataPoint>
+    <cs:lnRef idx="0"/>
+    <cs:fillRef idx="1">
+      <cs:styleClr val="auto"/>
+    </cs:fillRef>
+    <cs:effectRef idx="0"/>
+    <cs:fontRef idx="minor">
+      <a:schemeClr val="tx1"/>
+    </cs:fontRef>
+  </cs:dataPoint>
+  <cs:dataPoint3D>
+    <cs:lnRef idx="0"/>
+    <cs:fillRef idx="1">
+      <cs:styleClr val="auto"/>
+    </cs:fillRef>
+    <cs:effectRef idx="0"/>
+    <cs:fontRef idx="minor">
+      <a:schemeClr val="tx1"/>
+    </cs:fontRef>
+  </cs:dataPoint3D>
+  <cs:dataPointLine>
+    <cs:lnRef idx="0">
+      <cs:styleClr val="auto"/>
+    </cs:lnRef>
+    <cs:fillRef idx="1"/>
+    <cs:effectRef idx="0"/>
+    <cs:fontRef idx="minor">
+      <a:schemeClr val="tx1"/>
+    </cs:fontRef>
+    <cs:spPr>
+      <a:ln w="28575" cap="rnd">
+        <a:solidFill>
+          <a:schemeClr val="phClr"/>
+        </a:solidFill>
+        <a:round/>
+      </a:ln>
+    </cs:spPr>
+  </cs:dataPointLine>
+  <cs:dataPointMarker>
+    <cs:lnRef idx="0">
+      <cs:styleClr val="auto"/>
+    </cs:lnRef>
+    <cs:fillRef idx="1">
+      <cs:styleClr val="auto"/>
+    </cs:fillRef>
+    <cs:effectRef idx="0"/>
+    <cs:fontRef idx="minor">
+      <a:schemeClr val="tx1"/>
+    </cs:fontRef>
+    <cs:spPr>
+      <a:ln w="9525">
+        <a:solidFill>
+          <a:schemeClr val="phClr"/>
+        </a:solidFill>
+      </a:ln>
+    </cs:spPr>
+  </cs:dataPointMarker>
+  <cs:dataPointMarkerLayout symbol="circle" size="5"/>
+  <cs:dataPointWireframe>
+    <cs:lnRef idx="0">
+      <cs:styleClr val="auto"/>
+    </cs:lnRef>
+    <cs:fillRef idx="1"/>
+    <cs:effectRef idx="0"/>
+    <cs:fontRef idx="minor">
+      <a:schemeClr val="tx1"/>
+    </cs:fontRef>
+    <cs:spPr>
+      <a:ln w="9525" cap="rnd">
+        <a:solidFill>
+          <a:schemeClr val="phClr"/>
+        </a:solidFill>
+        <a:round/>
+      </a:ln>
+    </cs:spPr>
+  </cs:dataPointWireframe>
+  <cs:dataTable>
+    <cs:lnRef idx="0"/>
+    <cs:fillRef idx="0"/>
+    <cs:effectRef idx="0"/>
+    <cs:fontRef idx="minor">
+      <a:schemeClr val="tx1">
+        <a:lumMod val="65000"/>
+        <a:lumOff val="35000"/>
+      </a:schemeClr>
+    </cs:fontRef>
+    <cs:spPr>
+      <a:noFill/>
+      <a:ln w="9525" cap="flat" cmpd="sng" algn="ctr">
+        <a:solidFill>
+          <a:schemeClr val="tx1">
+            <a:lumMod val="15000"/>
+            <a:lumOff val="85000"/>
+          </a:schemeClr>
+        </a:solidFill>
+        <a:round/>
+      </a:ln>
+    </cs:spPr>
+    <cs:defRPr sz="900" kern="1200"/>
+  </cs:dataTable>
+  <cs:downBar>
+    <cs:lnRef idx="0"/>
+    <cs:fillRef idx="0"/>
+    <cs:effectRef idx="0"/>
+    <cs:fontRef idx="minor">
+      <a:schemeClr val="dk1"/>
+    </cs:fontRef>
+    <cs:spPr>
+      <a:solidFill>
+        <a:schemeClr val="dk1">
+          <a:lumMod val="65000"/>
+          <a:lumOff val="35000"/>
+        </a:schemeClr>
+      </a:solidFill>
+      <a:ln w="9525">
+        <a:solidFill>
+          <a:schemeClr val="tx1">
+            <a:lumMod val="65000"/>
+            <a:lumOff val="35000"/>
+          </a:schemeClr>
+        </a:solidFill>
+      </a:ln>
+    </cs:spPr>
+  </cs:downBar>
+  <cs:dropLine>
+    <cs:lnRef idx="0"/>
+    <cs:fillRef idx="0"/>
+    <cs:effectRef idx="0"/>
+    <cs:fontRef idx="minor">
+      <a:schemeClr val="tx1"/>
+    </cs:fontRef>
+    <cs:spPr>
+      <a:ln w="9525" cap="flat" cmpd="sng" algn="ctr">
+        <a:solidFill>
+          <a:schemeClr val="tx1">
+            <a:lumMod val="35000"/>
+            <a:lumOff val="65000"/>
+          </a:schemeClr>
+        </a:solidFill>
+        <a:round/>
+      </a:ln>
+    </cs:spPr>
+  </cs:dropLine>
+  <cs:errorBar>
+    <cs:lnRef idx="0"/>
+    <cs:fillRef idx="0"/>
+    <cs:effectRef idx="0"/>
+    <cs:fontRef idx="minor">
+      <a:schemeClr val="tx1"/>
+    </cs:fontRef>
+    <cs:spPr>
+      <a:ln w="9525" cap="flat" cmpd="sng" algn="ctr">
+        <a:solidFill>
+          <a:schemeClr val="tx1">
+            <a:lumMod val="65000"/>
+            <a:lumOff val="35000"/>
+          </a:schemeClr>
+        </a:solidFill>
+        <a:round/>
+      </a:ln>
+    </cs:spPr>
+  </cs:errorBar>
+  <cs:floor>
+    <cs:lnRef idx="0"/>
+    <cs:fillRef idx="0"/>
+    <cs:effectRef idx="0"/>
+    <cs:fontRef idx="minor">
+      <a:schemeClr val="tx1"/>
+    </cs:fontRef>
+    <cs:spPr>
+      <a:noFill/>
+      <a:ln>
+        <a:noFill/>
+      </a:ln>
+    </cs:spPr>
+  </cs:floor>
+  <cs:gridlineMajor>
+    <cs:lnRef idx="0"/>
+    <cs:fillRef idx="0"/>
+    <cs:effectRef idx="0"/>
+    <cs:fontRef idx="minor">
+      <a:schemeClr val="tx1"/>
+    </cs:fontRef>
+    <cs:spPr>
+      <a:ln w="9525" cap="flat" cmpd="sng" algn="ctr">
+        <a:solidFill>
+          <a:schemeClr val="tx1">
+            <a:lumMod val="15000"/>
+            <a:lumOff val="85000"/>
+          </a:schemeClr>
+        </a:solidFill>
+        <a:round/>
+      </a:ln>
+    </cs:spPr>
+  </cs:gridlineMajor>
+  <cs:gridlineMinor>
+    <cs:lnRef idx="0"/>
+    <cs:fillRef idx="0"/>
+    <cs:effectRef idx="0"/>
+    <cs:fontRef idx="minor">
+      <a:schemeClr val="tx1"/>
+    </cs:fontRef>
+    <cs:spPr>
+      <a:ln w="9525" cap="flat" cmpd="sng" algn="ctr">
+        <a:solidFill>
+          <a:schemeClr val="tx1">
+            <a:lumMod val="5000"/>
+            <a:lumOff val="95000"/>
+          </a:schemeClr>
+        </a:solidFill>
+        <a:round/>
+      </a:ln>
+    </cs:spPr>
+  </cs:gridlineMinor>
+  <cs:hiLoLine>
+    <cs:lnRef idx="0"/>
+    <cs:fillRef idx="0"/>
+    <cs:effectRef idx="0"/>
+    <cs:fontRef idx="minor">
+      <a:schemeClr val="tx1"/>
+    </cs:fontRef>
+    <cs:spPr>
+      <a:ln w="9525" cap="flat" cmpd="sng" algn="ctr">
+        <a:solidFill>
+          <a:schemeClr val="tx1">
+            <a:lumMod val="75000"/>
+            <a:lumOff val="25000"/>
+          </a:schemeClr>
+        </a:solidFill>
+        <a:round/>
+      </a:ln>
+    </cs:spPr>
+  </cs:hiLoLine>
+  <cs:leaderLine>
+    <cs:lnRef idx="0"/>
+    <cs:fillRef idx="0"/>
+    <cs:effectRef idx="0"/>
+    <cs:fontRef idx="minor">
+      <a:schemeClr val="tx1"/>
+    </cs:fontRef>
+    <cs:spPr>
+      <a:ln w="9525" cap="flat" cmpd="sng" algn="ctr">
+        <a:solidFill>
+          <a:schemeClr val="tx1">
+            <a:lumMod val="35000"/>
+            <a:lumOff val="65000"/>
+          </a:schemeClr>
+        </a:solidFill>
+        <a:round/>
+      </a:ln>
+    </cs:spPr>
+  </cs:leaderLine>
+  <cs:legend>
+    <cs:lnRef idx="0"/>
+    <cs:fillRef idx="0"/>
+    <cs:effectRef idx="0"/>
+    <cs:fontRef idx="minor">
+      <a:schemeClr val="tx1">
+        <a:lumMod val="65000"/>
+        <a:lumOff val="35000"/>
+      </a:schemeClr>
+    </cs:fontRef>
+    <cs:defRPr sz="900" kern="1200"/>
+  </cs:legend>
+  <cs:plotArea mods="allowNoFillOverride allowNoLineOverride">
+    <cs:lnRef idx="0"/>
+    <cs:fillRef idx="0"/>
+    <cs:effectRef idx="0"/>
+    <cs:fontRef idx="minor">
+      <a:schemeClr val="tx1"/>
+    </cs:fontRef>
+  </cs:plotArea>
+  <cs:plotArea3D mods="allowNoFillOverride allowNoLineOverride">
+    <cs:lnRef idx="0"/>
+    <cs:fillRef idx="0"/>
+    <cs:effectRef idx="0"/>
+    <cs:fontRef idx="minor">
+      <a:schemeClr val="tx1"/>
+    </cs:fontRef>
+  </cs:plotArea3D>
+  <cs:seriesAxis>
+    <cs:lnRef idx="0"/>
+    <cs:fillRef idx="0"/>
+    <cs:effectRef idx="0"/>
+    <cs:fontRef idx="minor">
+      <a:schemeClr val="tx1">
+        <a:lumMod val="65000"/>
+        <a:lumOff val="35000"/>
+      </a:schemeClr>
+    </cs:fontRef>
+    <cs:defRPr sz="900" kern="1200"/>
+  </cs:seriesAxis>
+  <cs:seriesLine>
+    <cs:lnRef idx="0"/>
+    <cs:fillRef idx="0"/>
+    <cs:effectRef idx="0"/>
+    <cs:fontRef idx="minor">
+      <a:schemeClr val="tx1"/>
+    </cs:fontRef>
+    <cs:spPr>
+      <a:ln w="9525" cap="flat" cmpd="sng" algn="ctr">
+        <a:solidFill>
+          <a:schemeClr val="tx1">
+            <a:lumMod val="35000"/>
+            <a:lumOff val="65000"/>
+          </a:schemeClr>
+        </a:solidFill>
+        <a:round/>
+      </a:ln>
+    </cs:spPr>
+  </cs:seriesLine>
+  <cs:title>
+    <cs:lnRef idx="0"/>
+    <cs:fillRef idx="0"/>
+    <cs:effectRef idx="0"/>
+    <cs:fontRef idx="minor">
+      <a:schemeClr val="tx1">
+        <a:lumMod val="65000"/>
+        <a:lumOff val="35000"/>
+      </a:schemeClr>
+    </cs:fontRef>
+    <cs:defRPr sz="1400" b="0" kern="1200" spc="0" baseline="0"/>
+  </cs:title>
+  <cs:trendline>
+    <cs:lnRef idx="0">
+      <cs:styleClr val="auto"/>
+    </cs:lnRef>
+    <cs:fillRef idx="0"/>
+    <cs:effectRef idx="0"/>
+    <cs:fontRef idx="minor">
+      <a:schemeClr val="tx1"/>
+    </cs:fontRef>
+    <cs:spPr>
+      <a:ln w="19050" cap="rnd">
+        <a:solidFill>
+          <a:schemeClr val="phClr"/>
+        </a:solidFill>
+        <a:prstDash val="sysDot"/>
+      </a:ln>
+    </cs:spPr>
+  </cs:trendline>
+  <cs:trendlineLabel>
+    <cs:lnRef idx="0"/>
+    <cs:fillRef idx="0"/>
+    <cs:effectRef idx="0"/>
+    <cs:fontRef idx="minor">
+      <a:schemeClr val="tx1">
+        <a:lumMod val="65000"/>
+        <a:lumOff val="35000"/>
+      </a:schemeClr>
+    </cs:fontRef>
+    <cs:defRPr sz="900" kern="1200"/>
+  </cs:trendlineLabel>
+  <cs:upBar>
+    <cs:lnRef idx="0"/>
+    <cs:fillRef idx="0"/>
+    <cs:effectRef idx="0"/>
+    <cs:fontRef idx="minor">
+      <a:schemeClr val="dk1"/>
+    </cs:fontRef>
+    <cs:spPr>
+      <a:solidFill>
+        <a:schemeClr val="lt1"/>
+      </a:solidFill>
+      <a:ln w="9525">
+        <a:solidFill>
+          <a:schemeClr val="tx1">
+            <a:lumMod val="15000"/>
+            <a:lumOff val="85000"/>
+          </a:schemeClr>
+        </a:solidFill>
+      </a:ln>
+    </cs:spPr>
+  </cs:upBar>
+  <cs:valueAxis>
+    <cs:lnRef idx="0"/>
+    <cs:fillRef idx="0"/>
+    <cs:effectRef idx="0"/>
+    <cs:fontRef idx="minor">
+      <a:schemeClr val="tx1">
+        <a:lumMod val="65000"/>
+        <a:lumOff val="35000"/>
+      </a:schemeClr>
+    </cs:fontRef>
+    <cs:defRPr sz="900" kern="1200"/>
+  </cs:valueAxis>
+  <cs:wall>
+    <cs:lnRef idx="0"/>
+    <cs:fillRef idx="0"/>
+    <cs:effectRef idx="0"/>
+    <cs:fontRef idx="minor">
+      <a:schemeClr val="tx1"/>
+    </cs:fontRef>
+    <cs:spPr>
+      <a:noFill/>
+      <a:ln>
+        <a:noFill/>
+      </a:ln>
+    </cs:spPr>
+  </cs:wall>
+</cs:chartStyle>
+</file>
+
+<file path=ppt/charts/style5.xml><?xml version="1.0" encoding="utf-8"?>
+<cs:chartStyle xmlns:cs="http://schemas.microsoft.com/office/drawing/2012/chartStyle" xmlns:a="http://schemas.openxmlformats.org/drawingml/2006/main" id="332">
+  <cs:axisTitle>
+    <cs:lnRef idx="0"/>
+    <cs:fillRef idx="0"/>
+    <cs:effectRef idx="0"/>
+    <cs:fontRef idx="minor">
+      <a:schemeClr val="tx1">
+        <a:lumMod val="65000"/>
+        <a:lumOff val="35000"/>
+      </a:schemeClr>
+    </cs:fontRef>
+    <cs:defRPr sz="1000" kern="1200"/>
+  </cs:axisTitle>
+  <cs:categoryAxis>
+    <cs:lnRef idx="0"/>
+    <cs:fillRef idx="0"/>
+    <cs:effectRef idx="0"/>
+    <cs:fontRef idx="minor">
+      <a:schemeClr val="tx1">
+        <a:lumMod val="65000"/>
+        <a:lumOff val="35000"/>
+      </a:schemeClr>
+    </cs:fontRef>
+    <cs:spPr>
+      <a:ln w="9525" cap="flat" cmpd="sng" algn="ctr">
+        <a:solidFill>
+          <a:schemeClr val="tx1">
+            <a:lumMod val="15000"/>
+            <a:lumOff val="85000"/>
+          </a:schemeClr>
+        </a:solidFill>
+        <a:round/>
+      </a:ln>
+    </cs:spPr>
+    <cs:defRPr sz="900" kern="1200"/>
+  </cs:categoryAxis>
+  <cs:chartArea mods="allowNoFillOverride allowNoLineOverride">
+    <cs:lnRef idx="0"/>
+    <cs:fillRef idx="0"/>
+    <cs:effectRef idx="0"/>
+    <cs:fontRef idx="minor">
+      <a:schemeClr val="tx1"/>
+    </cs:fontRef>
+    <cs:spPr>
+      <a:solidFill>
+        <a:schemeClr val="bg1"/>
+      </a:solidFill>
+      <a:ln w="9525" cap="flat" cmpd="sng" algn="ctr">
+        <a:solidFill>
+          <a:schemeClr val="tx1">
+            <a:lumMod val="15000"/>
+            <a:lumOff val="85000"/>
+          </a:schemeClr>
+        </a:solidFill>
+        <a:round/>
+      </a:ln>
+    </cs:spPr>
+    <cs:defRPr sz="1000" kern="1200"/>
+  </cs:chartArea>
+  <cs:dataLabel>
+    <cs:lnRef idx="0"/>
+    <cs:fillRef idx="0"/>
+    <cs:effectRef idx="0"/>
+    <cs:fontRef idx="minor">
+      <a:schemeClr val="tx1">
+        <a:lumMod val="75000"/>
+        <a:lumOff val="25000"/>
+      </a:schemeClr>
+    </cs:fontRef>
+    <cs:defRPr sz="900" kern="1200"/>
+  </cs:dataLabel>
+  <cs:dataLabelCallout>
+    <cs:lnRef idx="0"/>
+    <cs:fillRef idx="0"/>
+    <cs:effectRef idx="0"/>
+    <cs:fontRef idx="minor">
+      <a:schemeClr val="dk1">
+        <a:lumMod val="65000"/>
+        <a:lumOff val="35000"/>
+      </a:schemeClr>
+    </cs:fontRef>
+    <cs:spPr>
+      <a:solidFill>
+        <a:schemeClr val="lt1"/>
+      </a:solidFill>
+      <a:ln>
+        <a:solidFill>
+          <a:schemeClr val="dk1">
+            <a:lumMod val="25000"/>
+            <a:lumOff val="75000"/>
+          </a:schemeClr>
+        </a:solidFill>
+      </a:ln>
+    </cs:spPr>
+    <cs:defRPr sz="900" kern="1200"/>
+    <cs:bodyPr rot="0" spcFirstLastPara="1" vertOverflow="clip" horzOverflow="clip" vert="horz" wrap="square" lIns="36576" tIns="18288" rIns="36576" bIns="18288" anchor="ctr" anchorCtr="1">
+      <a:spAutoFit/>
+    </cs:bodyPr>
+  </cs:dataLabelCallout>
+  <cs:dataPoint>
+    <cs:lnRef idx="0"/>
+    <cs:fillRef idx="1">
+      <cs:styleClr val="auto"/>
+    </cs:fillRef>
+    <cs:effectRef idx="0"/>
+    <cs:fontRef idx="minor">
+      <a:schemeClr val="tx1"/>
+    </cs:fontRef>
+  </cs:dataPoint>
+  <cs:dataPoint3D>
+    <cs:lnRef idx="0"/>
+    <cs:fillRef idx="1">
+      <cs:styleClr val="auto"/>
+    </cs:fillRef>
+    <cs:effectRef idx="0"/>
+    <cs:fontRef idx="minor">
+      <a:schemeClr val="tx1"/>
+    </cs:fontRef>
+  </cs:dataPoint3D>
+  <cs:dataPointLine>
+    <cs:lnRef idx="0">
+      <cs:styleClr val="auto"/>
+    </cs:lnRef>
+    <cs:fillRef idx="1"/>
+    <cs:effectRef idx="0"/>
+    <cs:fontRef idx="minor">
+      <a:schemeClr val="tx1"/>
+    </cs:fontRef>
+    <cs:spPr>
+      <a:ln w="28575" cap="rnd">
+        <a:solidFill>
+          <a:schemeClr val="phClr"/>
+        </a:solidFill>
+        <a:round/>
+      </a:ln>
+    </cs:spPr>
+  </cs:dataPointLine>
+  <cs:dataPointMarker>
+    <cs:lnRef idx="0">
+      <cs:styleClr val="auto"/>
+    </cs:lnRef>
+    <cs:fillRef idx="1">
+      <cs:styleClr val="auto"/>
+    </cs:fillRef>
+    <cs:effectRef idx="0"/>
+    <cs:fontRef idx="minor">
+      <a:schemeClr val="tx1"/>
+    </cs:fontRef>
+    <cs:spPr>
+      <a:ln w="9525">
+        <a:solidFill>
+          <a:schemeClr val="phClr"/>
+        </a:solidFill>
+      </a:ln>
+    </cs:spPr>
+  </cs:dataPointMarker>
+  <cs:dataPointMarkerLayout symbol="circle" size="5"/>
+  <cs:dataPointWireframe>
+    <cs:lnRef idx="0">
+      <cs:styleClr val="auto"/>
+    </cs:lnRef>
+    <cs:fillRef idx="1"/>
+    <cs:effectRef idx="0"/>
+    <cs:fontRef idx="minor">
+      <a:schemeClr val="tx1"/>
+    </cs:fontRef>
+    <cs:spPr>
+      <a:ln w="9525" cap="rnd">
+        <a:solidFill>
+          <a:schemeClr val="phClr"/>
+        </a:solidFill>
+        <a:round/>
+      </a:ln>
+    </cs:spPr>
+  </cs:dataPointWireframe>
+  <cs:dataTable>
+    <cs:lnRef idx="0"/>
+    <cs:fillRef idx="0"/>
+    <cs:effectRef idx="0"/>
+    <cs:fontRef idx="minor">
+      <a:schemeClr val="tx1">
+        <a:lumMod val="65000"/>
+        <a:lumOff val="35000"/>
+      </a:schemeClr>
+    </cs:fontRef>
+    <cs:spPr>
+      <a:noFill/>
+      <a:ln w="9525" cap="flat" cmpd="sng" algn="ctr">
+        <a:solidFill>
+          <a:schemeClr val="tx1">
+            <a:lumMod val="15000"/>
+            <a:lumOff val="85000"/>
+          </a:schemeClr>
+        </a:solidFill>
+        <a:round/>
+      </a:ln>
+    </cs:spPr>
+    <cs:defRPr sz="900" kern="1200"/>
+  </cs:dataTable>
+  <cs:downBar>
+    <cs:lnRef idx="0"/>
+    <cs:fillRef idx="0"/>
+    <cs:effectRef idx="0"/>
+    <cs:fontRef idx="minor">
+      <a:schemeClr val="dk1"/>
+    </cs:fontRef>
+    <cs:spPr>
+      <a:solidFill>
+        <a:schemeClr val="dk1">
+          <a:lumMod val="65000"/>
+          <a:lumOff val="35000"/>
+        </a:schemeClr>
+      </a:solidFill>
+      <a:ln w="9525">
+        <a:solidFill>
+          <a:schemeClr val="tx1">
+            <a:lumMod val="65000"/>
+            <a:lumOff val="35000"/>
+          </a:schemeClr>
+        </a:solidFill>
+      </a:ln>
+    </cs:spPr>
+  </cs:downBar>
+  <cs:dropLine>
+    <cs:lnRef idx="0"/>
+    <cs:fillRef idx="0"/>
+    <cs:effectRef idx="0"/>
+    <cs:fontRef idx="minor">
+      <a:schemeClr val="tx1"/>
+    </cs:fontRef>
+    <cs:spPr>
+      <a:ln w="9525" cap="flat" cmpd="sng" algn="ctr">
+        <a:solidFill>
+          <a:schemeClr val="tx1">
+            <a:lumMod val="35000"/>
+            <a:lumOff val="65000"/>
+          </a:schemeClr>
+        </a:solidFill>
+        <a:round/>
+      </a:ln>
+    </cs:spPr>
+  </cs:dropLine>
+  <cs:errorBar>
+    <cs:lnRef idx="0"/>
+    <cs:fillRef idx="0"/>
+    <cs:effectRef idx="0"/>
+    <cs:fontRef idx="minor">
+      <a:schemeClr val="tx1"/>
+    </cs:fontRef>
+    <cs:spPr>
+      <a:ln w="9525" cap="flat" cmpd="sng" algn="ctr">
+        <a:solidFill>
+          <a:schemeClr val="tx1">
+            <a:lumMod val="65000"/>
+            <a:lumOff val="35000"/>
+          </a:schemeClr>
+        </a:solidFill>
+        <a:round/>
+      </a:ln>
+    </cs:spPr>
+  </cs:errorBar>
+  <cs:floor>
+    <cs:lnRef idx="0"/>
+    <cs:fillRef idx="0"/>
+    <cs:effectRef idx="0"/>
+    <cs:fontRef idx="minor">
+      <a:schemeClr val="tx1"/>
+    </cs:fontRef>
+    <cs:spPr>
+      <a:noFill/>
+      <a:ln>
+        <a:noFill/>
+      </a:ln>
+    </cs:spPr>
+  </cs:floor>
+  <cs:gridlineMajor>
+    <cs:lnRef idx="0"/>
+    <cs:fillRef idx="0"/>
+    <cs:effectRef idx="0"/>
+    <cs:fontRef idx="minor">
+      <a:schemeClr val="tx1"/>
+    </cs:fontRef>
+    <cs:spPr>
+      <a:ln w="9525" cap="flat" cmpd="sng" algn="ctr">
+        <a:solidFill>
+          <a:schemeClr val="tx1">
+            <a:lumMod val="15000"/>
+            <a:lumOff val="85000"/>
+          </a:schemeClr>
+        </a:solidFill>
+        <a:round/>
+      </a:ln>
+    </cs:spPr>
+  </cs:gridlineMajor>
+  <cs:gridlineMinor>
+    <cs:lnRef idx="0"/>
+    <cs:fillRef idx="0"/>
+    <cs:effectRef idx="0"/>
+    <cs:fontRef idx="minor">
+      <a:schemeClr val="tx1"/>
+    </cs:fontRef>
+    <cs:spPr>
+      <a:ln w="9525" cap="flat" cmpd="sng" algn="ctr">
+        <a:solidFill>
+          <a:schemeClr val="tx1">
+            <a:lumMod val="5000"/>
+            <a:lumOff val="95000"/>
+          </a:schemeClr>
+        </a:solidFill>
+        <a:round/>
+      </a:ln>
+    </cs:spPr>
+  </cs:gridlineMinor>
+  <cs:hiLoLine>
+    <cs:lnRef idx="0"/>
+    <cs:fillRef idx="0"/>
+    <cs:effectRef idx="0"/>
+    <cs:fontRef idx="minor">
+      <a:schemeClr val="tx1"/>
+    </cs:fontRef>
+    <cs:spPr>
+      <a:ln w="9525" cap="flat" cmpd="sng" algn="ctr">
+        <a:solidFill>
+          <a:schemeClr val="tx1">
+            <a:lumMod val="75000"/>
+            <a:lumOff val="25000"/>
+          </a:schemeClr>
+        </a:solidFill>
+        <a:round/>
+      </a:ln>
+    </cs:spPr>
+  </cs:hiLoLine>
+  <cs:leaderLine>
+    <cs:lnRef idx="0"/>
+    <cs:fillRef idx="0"/>
+    <cs:effectRef idx="0"/>
+    <cs:fontRef idx="minor">
+      <a:schemeClr val="tx1"/>
+    </cs:fontRef>
+    <cs:spPr>
+      <a:ln w="9525" cap="flat" cmpd="sng" algn="ctr">
+        <a:solidFill>
+          <a:schemeClr val="tx1">
+            <a:lumMod val="35000"/>
+            <a:lumOff val="65000"/>
+          </a:schemeClr>
+        </a:solidFill>
+        <a:round/>
+      </a:ln>
+    </cs:spPr>
+  </cs:leaderLine>
+  <cs:legend>
+    <cs:lnRef idx="0"/>
+    <cs:fillRef idx="0"/>
+    <cs:effectRef idx="0"/>
+    <cs:fontRef idx="minor">
+      <a:schemeClr val="tx1">
+        <a:lumMod val="65000"/>
+        <a:lumOff val="35000"/>
+      </a:schemeClr>
+    </cs:fontRef>
+    <cs:defRPr sz="900" kern="1200"/>
+  </cs:legend>
+  <cs:plotArea mods="allowNoFillOverride allowNoLineOverride">
+    <cs:lnRef idx="0"/>
+    <cs:fillRef idx="0"/>
+    <cs:effectRef idx="0"/>
+    <cs:fontRef idx="minor">
+      <a:schemeClr val="tx1"/>
+    </cs:fontRef>
+  </cs:plotArea>
+  <cs:plotArea3D mods="allowNoFillOverride allowNoLineOverride">
+    <cs:lnRef idx="0"/>
+    <cs:fillRef idx="0"/>
+    <cs:effectRef idx="0"/>
+    <cs:fontRef idx="minor">
+      <a:schemeClr val="tx1"/>
+    </cs:fontRef>
+  </cs:plotArea3D>
+  <cs:seriesAxis>
+    <cs:lnRef idx="0"/>
+    <cs:fillRef idx="0"/>
+    <cs:effectRef idx="0"/>
+    <cs:fontRef idx="minor">
+      <a:schemeClr val="tx1">
+        <a:lumMod val="65000"/>
+        <a:lumOff val="35000"/>
+      </a:schemeClr>
+    </cs:fontRef>
+    <cs:defRPr sz="900" kern="1200"/>
+  </cs:seriesAxis>
+  <cs:seriesLine>
+    <cs:lnRef idx="0"/>
+    <cs:fillRef idx="0"/>
+    <cs:effectRef idx="0"/>
+    <cs:fontRef idx="minor">
+      <a:schemeClr val="tx1"/>
+    </cs:fontRef>
+    <cs:spPr>
+      <a:ln w="9525" cap="flat" cmpd="sng" algn="ctr">
+        <a:solidFill>
+          <a:schemeClr val="tx1">
+            <a:lumMod val="35000"/>
+            <a:lumOff val="65000"/>
+          </a:schemeClr>
+        </a:solidFill>
+        <a:round/>
+      </a:ln>
+    </cs:spPr>
+  </cs:seriesLine>
+  <cs:title>
+    <cs:lnRef idx="0"/>
+    <cs:fillRef idx="0"/>
+    <cs:effectRef idx="0"/>
+    <cs:fontRef idx="minor">
+      <a:schemeClr val="tx1">
+        <a:lumMod val="65000"/>
+        <a:lumOff val="35000"/>
+      </a:schemeClr>
+    </cs:fontRef>
+    <cs:defRPr sz="1400" b="0" kern="1200" spc="0" baseline="0"/>
+  </cs:title>
+  <cs:trendline>
+    <cs:lnRef idx="0">
+      <cs:styleClr val="auto"/>
+    </cs:lnRef>
+    <cs:fillRef idx="0"/>
+    <cs:effectRef idx="0"/>
+    <cs:fontRef idx="minor">
+      <a:schemeClr val="tx1"/>
+    </cs:fontRef>
+    <cs:spPr>
+      <a:ln w="19050" cap="rnd">
+        <a:solidFill>
+          <a:schemeClr val="phClr"/>
+        </a:solidFill>
+        <a:prstDash val="sysDot"/>
+      </a:ln>
+    </cs:spPr>
+  </cs:trendline>
+  <cs:trendlineLabel>
+    <cs:lnRef idx="0"/>
+    <cs:fillRef idx="0"/>
+    <cs:effectRef idx="0"/>
+    <cs:fontRef idx="minor">
+      <a:schemeClr val="tx1">
+        <a:lumMod val="65000"/>
+        <a:lumOff val="35000"/>
+      </a:schemeClr>
+    </cs:fontRef>
+    <cs:defRPr sz="900" kern="1200"/>
+  </cs:trendlineLabel>
+  <cs:upBar>
+    <cs:lnRef idx="0"/>
+    <cs:fillRef idx="0"/>
+    <cs:effectRef idx="0"/>
+    <cs:fontRef idx="minor">
+      <a:schemeClr val="dk1"/>
+    </cs:fontRef>
+    <cs:spPr>
+      <a:solidFill>
+        <a:schemeClr val="lt1"/>
+      </a:solidFill>
+      <a:ln w="9525">
+        <a:solidFill>
+          <a:schemeClr val="tx1">
+            <a:lumMod val="15000"/>
+            <a:lumOff val="85000"/>
+          </a:schemeClr>
+        </a:solidFill>
+      </a:ln>
+    </cs:spPr>
+  </cs:upBar>
+  <cs:valueAxis>
+    <cs:lnRef idx="0"/>
+    <cs:fillRef idx="0"/>
+    <cs:effectRef idx="0"/>
+    <cs:fontRef idx="minor">
+      <a:schemeClr val="tx1">
+        <a:lumMod val="65000"/>
+        <a:lumOff val="35000"/>
+      </a:schemeClr>
+    </cs:fontRef>
+    <cs:defRPr sz="900" kern="1200"/>
+  </cs:valueAxis>
+  <cs:wall>
+    <cs:lnRef idx="0"/>
+    <cs:fillRef idx="0"/>
+    <cs:effectRef idx="0"/>
+    <cs:fontRef idx="minor">
+      <a:schemeClr val="tx1"/>
+    </cs:fontRef>
+    <cs:spPr>
+      <a:noFill/>
+      <a:ln>
+        <a:noFill/>
+      </a:ln>
+    </cs:spPr>
+  </cs:wall>
+</cs:chartStyle>
+</file>
+
+<file path=ppt/charts/style6.xml><?xml version="1.0" encoding="utf-8"?>
 <cs:chartStyle xmlns:cs="http://schemas.microsoft.com/office/drawing/2012/chartStyle" xmlns:a="http://schemas.openxmlformats.org/drawingml/2006/main" id="332">
   <cs:axisTitle>
     <cs:lnRef idx="0"/>
@@ -3530,7 +6834,7 @@
           <a:p>
             <a:fld id="{FEC8F623-83FF-45D9-9165-1796CF17F145}" type="datetimeFigureOut">
               <a:rPr lang="en-US" smtClean="0"/>
-              <a:t>10/19/2023</a:t>
+              <a:t>8/7/2024</a:t>
             </a:fld>
             <a:endParaRPr lang="en-US"/>
           </a:p>
@@ -3698,7 +7002,7 @@
           <a:p>
             <a:fld id="{FEC8F623-83FF-45D9-9165-1796CF17F145}" type="datetimeFigureOut">
               <a:rPr lang="en-US" smtClean="0"/>
-              <a:t>10/19/2023</a:t>
+              <a:t>8/7/2024</a:t>
             </a:fld>
             <a:endParaRPr lang="en-US"/>
           </a:p>
@@ -3876,7 +7180,7 @@
           <a:p>
             <a:fld id="{FEC8F623-83FF-45D9-9165-1796CF17F145}" type="datetimeFigureOut">
               <a:rPr lang="en-US" smtClean="0"/>
-              <a:t>10/19/2023</a:t>
+              <a:t>8/7/2024</a:t>
             </a:fld>
             <a:endParaRPr lang="en-US"/>
           </a:p>
@@ -4044,7 +7348,7 @@
           <a:p>
             <a:fld id="{FEC8F623-83FF-45D9-9165-1796CF17F145}" type="datetimeFigureOut">
               <a:rPr lang="en-US" smtClean="0"/>
-              <a:t>10/19/2023</a:t>
+              <a:t>8/7/2024</a:t>
             </a:fld>
             <a:endParaRPr lang="en-US"/>
           </a:p>
@@ -4324,7 +7628,7 @@
           <a:p>
             <a:fld id="{FEC8F623-83FF-45D9-9165-1796CF17F145}" type="datetimeFigureOut">
               <a:rPr lang="en-US" smtClean="0"/>
-              <a:t>10/19/2023</a:t>
+              <a:t>8/7/2024</a:t>
             </a:fld>
             <a:endParaRPr lang="en-US"/>
           </a:p>
@@ -4577,7 +7881,7 @@
           <a:p>
             <a:fld id="{FEC8F623-83FF-45D9-9165-1796CF17F145}" type="datetimeFigureOut">
               <a:rPr lang="en-US" smtClean="0"/>
-              <a:t>10/19/2023</a:t>
+              <a:t>8/7/2024</a:t>
             </a:fld>
             <a:endParaRPr lang="en-US"/>
           </a:p>
@@ -4965,7 +8269,7 @@
           <a:p>
             <a:fld id="{FEC8F623-83FF-45D9-9165-1796CF17F145}" type="datetimeFigureOut">
               <a:rPr lang="en-US" smtClean="0"/>
-              <a:t>10/19/2023</a:t>
+              <a:t>8/7/2024</a:t>
             </a:fld>
             <a:endParaRPr lang="en-US"/>
           </a:p>
@@ -5106,7 +8410,7 @@
           <a:p>
             <a:fld id="{FEC8F623-83FF-45D9-9165-1796CF17F145}" type="datetimeFigureOut">
               <a:rPr lang="en-US" smtClean="0"/>
-              <a:t>10/19/2023</a:t>
+              <a:t>8/7/2024</a:t>
             </a:fld>
             <a:endParaRPr lang="en-US"/>
           </a:p>
@@ -5201,7 +8505,7 @@
           <a:p>
             <a:fld id="{FEC8F623-83FF-45D9-9165-1796CF17F145}" type="datetimeFigureOut">
               <a:rPr lang="en-US" smtClean="0"/>
-              <a:t>10/19/2023</a:t>
+              <a:t>8/7/2024</a:t>
             </a:fld>
             <a:endParaRPr lang="en-US"/>
           </a:p>
@@ -5476,7 +8780,7 @@
           <a:p>
             <a:fld id="{FEC8F623-83FF-45D9-9165-1796CF17F145}" type="datetimeFigureOut">
               <a:rPr lang="en-US" smtClean="0"/>
-              <a:t>10/19/2023</a:t>
+              <a:t>8/7/2024</a:t>
             </a:fld>
             <a:endParaRPr lang="en-US"/>
           </a:p>
@@ -5728,7 +9032,7 @@
           <a:p>
             <a:fld id="{FEC8F623-83FF-45D9-9165-1796CF17F145}" type="datetimeFigureOut">
               <a:rPr lang="en-US" smtClean="0"/>
-              <a:t>10/19/2023</a:t>
+              <a:t>8/7/2024</a:t>
             </a:fld>
             <a:endParaRPr lang="en-US"/>
           </a:p>
@@ -5939,7 +9243,7 @@
           <a:p>
             <a:fld id="{FEC8F623-83FF-45D9-9165-1796CF17F145}" type="datetimeFigureOut">
               <a:rPr lang="en-US" smtClean="0"/>
-              <a:t>10/19/2023</a:t>
+              <a:t>8/7/2024</a:t>
             </a:fld>
             <a:endParaRPr lang="en-US"/>
           </a:p>
@@ -6440,24 +9744,27 @@
           </a:bodyPr>
           <a:lstStyle/>
           <a:p>
-            <a:pPr algn="l"/>
             <a:r>
-              <a:rPr lang="en-US" b="0" i="0" dirty="0">
+              <a:rPr lang="en-US" sz="1800" dirty="0">
                 <a:solidFill>
-                  <a:srgbClr val="000000"/>
+                  <a:srgbClr val="0D0D0D"/>
                 </a:solidFill>
                 <a:effectLst/>
                 <a:latin typeface="Open Sans" panose="020B0606030504020204" pitchFamily="34" charset="0"/>
+                <a:ea typeface="Open Sans" panose="020B0606030504020204" pitchFamily="34" charset="0"/>
+                <a:cs typeface="Open Sans" panose="020B0606030504020204" pitchFamily="34" charset="0"/>
               </a:rPr>
-              <a:t>A higher prevalence of adults with CKD reported sleep-related problems (sleep disorder, trouble sleeping, and nocturia) than adults without CKD. Among adults without or with CKD, prevalence of self-reported sleep disorders trended higher over time. Nocturia is more commonly reported in adults with CKD than those without CKD.</a:t>
+              <a:t>The crude and age-standardized </a:t>
             </a:r>
-            <a:endParaRPr lang="en-US" b="0" dirty="0">
-              <a:solidFill>
-                <a:srgbClr val="000000"/>
-              </a:solidFill>
-              <a:effectLst/>
-              <a:latin typeface="Open Sans" panose="020B0606030504020204" pitchFamily="34" charset="0"/>
-            </a:endParaRPr>
+            <a:r>
+              <a:rPr lang="en-US" sz="1800" dirty="0">
+                <a:effectLst/>
+                <a:latin typeface="Open Sans" panose="020B0606030504020204" pitchFamily="34" charset="0"/>
+                <a:ea typeface="Open Sans" panose="020B0606030504020204" pitchFamily="34" charset="0"/>
+                <a:cs typeface="Open Sans" panose="020B0606030504020204" pitchFamily="34" charset="0"/>
+              </a:rPr>
+              <a:t>prevalence of sleep-related problems (sleep disorder, trouble sleeping, and nocturia) was higher among adults with CKD than among those without CKD. Among adults without or with CKD, prevalence of self-reported sleep disorders trended higher over time. Nocturia was more commonly reported in adults with CKD than those without CKD.</a:t>
+            </a:r>
           </a:p>
           <a:p>
             <a:pPr algn="l"/>
@@ -6467,6 +9774,8 @@
               </a:solidFill>
               <a:effectLst/>
               <a:latin typeface="Open Sans" panose="020B0606030504020204" pitchFamily="34" charset="0"/>
+              <a:ea typeface="Open Sans" panose="020B0606030504020204" pitchFamily="34" charset="0"/>
+              <a:cs typeface="Open Sans" panose="020B0606030504020204" pitchFamily="34" charset="0"/>
             </a:endParaRPr>
           </a:p>
           <a:p>
@@ -6478,6 +9787,8 @@
                 </a:solidFill>
                 <a:effectLst/>
                 <a:latin typeface="Open Sans" panose="020B0606030504020204" pitchFamily="34" charset="0"/>
+                <a:ea typeface="Open Sans" panose="020B0606030504020204" pitchFamily="34" charset="0"/>
+                <a:cs typeface="Open Sans" panose="020B0606030504020204" pitchFamily="34" charset="0"/>
               </a:rPr>
               <a:t>Data Source: </a:t>
             </a:r>
@@ -6488,6 +9799,8 @@
                 </a:solidFill>
                 <a:effectLst/>
                 <a:latin typeface="Open Sans" panose="020B0606030504020204" pitchFamily="34" charset="0"/>
+                <a:ea typeface="Open Sans" panose="020B0606030504020204" pitchFamily="34" charset="0"/>
+                <a:cs typeface="Open Sans" panose="020B0606030504020204" pitchFamily="34" charset="0"/>
               </a:rPr>
               <a:t>NHANES</a:t>
             </a:r>
@@ -6541,8 +9854,20 @@
                     <a:lumOff val="35000"/>
                   </a:schemeClr>
                 </a:solidFill>
+                <a:hlinkClick r:id="rId3"/>
               </a:rPr>
               <a:t>https://nccd.cdc.gov/ckd/detail.aspx?Qnum=Q364</a:t>
+            </a:r>
+            <a:r>
+              <a:rPr lang="en-US" dirty="0">
+                <a:solidFill>
+                  <a:schemeClr val="tx1">
+                    <a:lumMod val="65000"/>
+                    <a:lumOff val="35000"/>
+                  </a:schemeClr>
+                </a:solidFill>
+              </a:rPr>
+              <a:t> </a:t>
             </a:r>
           </a:p>
         </p:txBody>
@@ -6600,7 +9925,7 @@
             <a:pPr algn="ctr"/>
             <a:r>
               <a:rPr lang="en-US" sz="4400" b="1" dirty="0"/>
-              <a:t>Prevalence of Self-Reported Sleep </a:t>
+              <a:t>Crude Prevalence of Self-Reported Sleep </a:t>
             </a:r>
             <a:r>
               <a:rPr lang="en-US" b="1" dirty="0"/>
@@ -6616,27 +9941,25 @@
       </p:sp>
       <p:graphicFrame>
         <p:nvGraphicFramePr>
-          <p:cNvPr id="5" name="Chart 4">
+          <p:cNvPr id="4" name="Chart 3">
             <a:extLst>
               <a:ext uri="{FF2B5EF4-FFF2-40B4-BE49-F238E27FC236}">
-                <a16:creationId xmlns:a16="http://schemas.microsoft.com/office/drawing/2014/main" id="{81BDF115-2FA7-483F-9F64-98F765714E66}"/>
+                <a16:creationId xmlns:a16="http://schemas.microsoft.com/office/drawing/2014/main" id="{5AB2FD4A-A5E5-43CE-88F7-985E3A6D5BEA}"/>
               </a:ext>
             </a:extLst>
           </p:cNvPr>
-          <p:cNvGraphicFramePr>
-            <a:graphicFrameLocks/>
-          </p:cNvGraphicFramePr>
+          <p:cNvGraphicFramePr/>
           <p:nvPr>
             <p:extLst>
               <p:ext uri="{D42A27DB-BD31-4B8C-83A1-F6EECF244321}">
-                <p14:modId xmlns:p14="http://schemas.microsoft.com/office/powerpoint/2010/main" val="1973647327"/>
+                <p14:modId xmlns:p14="http://schemas.microsoft.com/office/powerpoint/2010/main" val="4039350400"/>
               </p:ext>
             </p:extLst>
           </p:nvPr>
         </p:nvGraphicFramePr>
         <p:xfrm>
-          <a:off x="271669" y="1540911"/>
-          <a:ext cx="11648661" cy="4634602"/>
+          <a:off x="0" y="1431235"/>
+          <a:ext cx="12191999" cy="4744278"/>
         </p:xfrm>
         <a:graphic>
           <a:graphicData uri="http://schemas.openxmlformats.org/drawingml/2006/chart">
@@ -6691,13 +10014,27 @@
           </a:xfrm>
         </p:spPr>
         <p:txBody>
-          <a:bodyPr/>
+          <a:bodyPr>
+            <a:normAutofit/>
+          </a:bodyPr>
           <a:lstStyle/>
           <a:p>
             <a:pPr algn="ctr"/>
             <a:r>
+              <a:rPr lang="en-US" b="1" dirty="0"/>
+              <a:t>Age-Standardized </a:t>
+            </a:r>
+            <a:r>
               <a:rPr lang="en-US" sz="4400" b="1" dirty="0"/>
-              <a:t>Prevalence of Self-Reported Nocturia among U.S. Adults</a:t>
+              <a:t>Prevalence of Self-Reported Sleep </a:t>
+            </a:r>
+            <a:r>
+              <a:rPr lang="en-US" b="1" dirty="0"/>
+              <a:t>Disorder </a:t>
+            </a:r>
+            <a:r>
+              <a:rPr lang="en-US" sz="4400" b="1" dirty="0"/>
+              <a:t>among U.S. Adults</a:t>
             </a:r>
             <a:endParaRPr lang="en-US" b="1" dirty="0"/>
           </a:p>
@@ -6705,27 +10042,25 @@
       </p:sp>
       <p:graphicFrame>
         <p:nvGraphicFramePr>
-          <p:cNvPr id="4" name="Chart 3">
+          <p:cNvPr id="5" name="Chart 4">
             <a:extLst>
               <a:ext uri="{FF2B5EF4-FFF2-40B4-BE49-F238E27FC236}">
-                <a16:creationId xmlns:a16="http://schemas.microsoft.com/office/drawing/2014/main" id="{2F546815-095C-42BE-8F62-53C339705500}"/>
+                <a16:creationId xmlns:a16="http://schemas.microsoft.com/office/drawing/2014/main" id="{0AB24042-021F-4AE9-AFE8-857389CD8026}"/>
               </a:ext>
             </a:extLst>
           </p:cNvPr>
-          <p:cNvGraphicFramePr>
-            <a:graphicFrameLocks/>
-          </p:cNvGraphicFramePr>
+          <p:cNvGraphicFramePr/>
           <p:nvPr>
             <p:extLst>
               <p:ext uri="{D42A27DB-BD31-4B8C-83A1-F6EECF244321}">
-                <p14:modId xmlns:p14="http://schemas.microsoft.com/office/powerpoint/2010/main" val="3879948734"/>
+                <p14:modId xmlns:p14="http://schemas.microsoft.com/office/powerpoint/2010/main" val="976685270"/>
               </p:ext>
             </p:extLst>
           </p:nvPr>
         </p:nvGraphicFramePr>
         <p:xfrm>
-          <a:off x="337931" y="1540911"/>
-          <a:ext cx="11516138" cy="4634602"/>
+          <a:off x="0" y="1444487"/>
+          <a:ext cx="12191999" cy="4731025"/>
         </p:xfrm>
         <a:graphic>
           <a:graphicData uri="http://schemas.openxmlformats.org/drawingml/2006/chart">
@@ -6736,7 +10071,7 @@
     </p:spTree>
     <p:extLst>
       <p:ext uri="{BB962C8B-B14F-4D97-AF65-F5344CB8AC3E}">
-        <p14:creationId xmlns:p14="http://schemas.microsoft.com/office/powerpoint/2010/main" val="837566870"/>
+        <p14:creationId xmlns:p14="http://schemas.microsoft.com/office/powerpoint/2010/main" val="127882215"/>
       </p:ext>
     </p:extLst>
   </p:cSld>
@@ -6786,7 +10121,7 @@
             <a:pPr algn="ctr"/>
             <a:r>
               <a:rPr lang="en-US" sz="4400" b="1" dirty="0"/>
-              <a:t>Prevalence of Self-Reported Trouble Sleeping among U.S. Adults</a:t>
+              <a:t>Crude Prevalence of Self-Reported Trouble Sleeping among U.S. Adults</a:t>
             </a:r>
             <a:endParaRPr lang="en-US" b="1" dirty="0"/>
           </a:p>
@@ -6794,27 +10129,25 @@
       </p:sp>
       <p:graphicFrame>
         <p:nvGraphicFramePr>
-          <p:cNvPr id="5" name="Chart 4">
+          <p:cNvPr id="4" name="Chart 3">
             <a:extLst>
               <a:ext uri="{FF2B5EF4-FFF2-40B4-BE49-F238E27FC236}">
-                <a16:creationId xmlns:a16="http://schemas.microsoft.com/office/drawing/2014/main" id="{5FFD74B8-E7D8-4CEC-9489-56A49A1CEE59}"/>
+                <a16:creationId xmlns:a16="http://schemas.microsoft.com/office/drawing/2014/main" id="{9B904D05-D4A1-45FF-A47C-3AF137AB2203}"/>
               </a:ext>
             </a:extLst>
           </p:cNvPr>
-          <p:cNvGraphicFramePr>
-            <a:graphicFrameLocks/>
-          </p:cNvGraphicFramePr>
+          <p:cNvGraphicFramePr/>
           <p:nvPr>
             <p:extLst>
               <p:ext uri="{D42A27DB-BD31-4B8C-83A1-F6EECF244321}">
-                <p14:modId xmlns:p14="http://schemas.microsoft.com/office/powerpoint/2010/main" val="238318322"/>
+                <p14:modId xmlns:p14="http://schemas.microsoft.com/office/powerpoint/2010/main" val="3459839232"/>
               </p:ext>
             </p:extLst>
           </p:nvPr>
         </p:nvGraphicFramePr>
         <p:xfrm>
-          <a:off x="238539" y="1540911"/>
-          <a:ext cx="11714922" cy="4625009"/>
+          <a:off x="0" y="1444487"/>
+          <a:ext cx="12192000" cy="4731026"/>
         </p:xfrm>
         <a:graphic>
           <a:graphicData uri="http://schemas.openxmlformats.org/drawingml/2006/chart">
@@ -6826,6 +10159,271 @@
     <p:extLst>
       <p:ext uri="{BB962C8B-B14F-4D97-AF65-F5344CB8AC3E}">
         <p14:creationId xmlns:p14="http://schemas.microsoft.com/office/powerpoint/2010/main" val="1887297312"/>
+      </p:ext>
+    </p:extLst>
+  </p:cSld>
+  <p:clrMapOvr>
+    <a:masterClrMapping/>
+  </p:clrMapOvr>
+</p:sld>
+</file>
+
+<file path=ppt/slides/slide5.xml><?xml version="1.0" encoding="utf-8"?>
+<p:sld xmlns:a="http://schemas.openxmlformats.org/drawingml/2006/main" xmlns:r="http://schemas.openxmlformats.org/officeDocument/2006/relationships" xmlns:p="http://schemas.openxmlformats.org/presentationml/2006/main">
+  <p:cSld>
+    <p:spTree>
+      <p:nvGrpSpPr>
+        <p:cNvPr id="1" name=""/>
+        <p:cNvGrpSpPr/>
+        <p:nvPr/>
+      </p:nvGrpSpPr>
+      <p:grpSpPr>
+        <a:xfrm>
+          <a:off x="0" y="0"/>
+          <a:ext cx="0" cy="0"/>
+          <a:chOff x="0" y="0"/>
+          <a:chExt cx="0" cy="0"/>
+        </a:xfrm>
+      </p:grpSpPr>
+      <p:sp>
+        <p:nvSpPr>
+          <p:cNvPr id="2" name="Title 1"/>
+          <p:cNvSpPr>
+            <a:spLocks noGrp="1"/>
+          </p:cNvSpPr>
+          <p:nvPr>
+            <p:ph type="title"/>
+          </p:nvPr>
+        </p:nvSpPr>
+        <p:spPr>
+          <a:xfrm>
+            <a:off x="838200" y="215348"/>
+            <a:ext cx="10515600" cy="1325563"/>
+          </a:xfrm>
+        </p:spPr>
+        <p:txBody>
+          <a:bodyPr/>
+          <a:lstStyle/>
+          <a:p>
+            <a:pPr algn="ctr"/>
+            <a:r>
+              <a:rPr lang="en-US" sz="4400" b="1" dirty="0"/>
+              <a:t>Age-Standardized Prevalence of Self-Reported Trouble Sleeping among U.S. Adults</a:t>
+            </a:r>
+            <a:endParaRPr lang="en-US" b="1" dirty="0"/>
+          </a:p>
+        </p:txBody>
+      </p:sp>
+      <p:graphicFrame>
+        <p:nvGraphicFramePr>
+          <p:cNvPr id="5" name="Chart 4">
+            <a:extLst>
+              <a:ext uri="{FF2B5EF4-FFF2-40B4-BE49-F238E27FC236}">
+                <a16:creationId xmlns:a16="http://schemas.microsoft.com/office/drawing/2014/main" id="{C0501DA2-480C-450A-B894-D3FC37D6F522}"/>
+              </a:ext>
+            </a:extLst>
+          </p:cNvPr>
+          <p:cNvGraphicFramePr/>
+          <p:nvPr>
+            <p:extLst>
+              <p:ext uri="{D42A27DB-BD31-4B8C-83A1-F6EECF244321}">
+                <p14:modId xmlns:p14="http://schemas.microsoft.com/office/powerpoint/2010/main" val="269310659"/>
+              </p:ext>
+            </p:extLst>
+          </p:nvPr>
+        </p:nvGraphicFramePr>
+        <p:xfrm>
+          <a:off x="0" y="1444487"/>
+          <a:ext cx="12192000" cy="4744277"/>
+        </p:xfrm>
+        <a:graphic>
+          <a:graphicData uri="http://schemas.openxmlformats.org/drawingml/2006/chart">
+            <c:chart xmlns:c="http://schemas.openxmlformats.org/drawingml/2006/chart" xmlns:r="http://schemas.openxmlformats.org/officeDocument/2006/relationships" r:id="rId2"/>
+          </a:graphicData>
+        </a:graphic>
+      </p:graphicFrame>
+    </p:spTree>
+    <p:extLst>
+      <p:ext uri="{BB962C8B-B14F-4D97-AF65-F5344CB8AC3E}">
+        <p14:creationId xmlns:p14="http://schemas.microsoft.com/office/powerpoint/2010/main" val="553098491"/>
+      </p:ext>
+    </p:extLst>
+  </p:cSld>
+  <p:clrMapOvr>
+    <a:masterClrMapping/>
+  </p:clrMapOvr>
+</p:sld>
+</file>
+
+<file path=ppt/slides/slide6.xml><?xml version="1.0" encoding="utf-8"?>
+<p:sld xmlns:a="http://schemas.openxmlformats.org/drawingml/2006/main" xmlns:r="http://schemas.openxmlformats.org/officeDocument/2006/relationships" xmlns:p="http://schemas.openxmlformats.org/presentationml/2006/main">
+  <p:cSld>
+    <p:spTree>
+      <p:nvGrpSpPr>
+        <p:cNvPr id="1" name=""/>
+        <p:cNvGrpSpPr/>
+        <p:nvPr/>
+      </p:nvGrpSpPr>
+      <p:grpSpPr>
+        <a:xfrm>
+          <a:off x="0" y="0"/>
+          <a:ext cx="0" cy="0"/>
+          <a:chOff x="0" y="0"/>
+          <a:chExt cx="0" cy="0"/>
+        </a:xfrm>
+      </p:grpSpPr>
+      <p:sp>
+        <p:nvSpPr>
+          <p:cNvPr id="2" name="Title 1"/>
+          <p:cNvSpPr>
+            <a:spLocks noGrp="1"/>
+          </p:cNvSpPr>
+          <p:nvPr>
+            <p:ph type="title"/>
+          </p:nvPr>
+        </p:nvSpPr>
+        <p:spPr>
+          <a:xfrm>
+            <a:off x="838200" y="215348"/>
+            <a:ext cx="10515600" cy="1325563"/>
+          </a:xfrm>
+        </p:spPr>
+        <p:txBody>
+          <a:bodyPr/>
+          <a:lstStyle/>
+          <a:p>
+            <a:pPr algn="ctr"/>
+            <a:r>
+              <a:rPr lang="en-US" sz="4400" b="1" dirty="0"/>
+              <a:t>Crude Prevalence of Self-Reported Nocturia among U.S. Adults</a:t>
+            </a:r>
+            <a:endParaRPr lang="en-US" b="1" dirty="0"/>
+          </a:p>
+        </p:txBody>
+      </p:sp>
+      <p:graphicFrame>
+        <p:nvGraphicFramePr>
+          <p:cNvPr id="5" name="Chart 4">
+            <a:extLst>
+              <a:ext uri="{FF2B5EF4-FFF2-40B4-BE49-F238E27FC236}">
+                <a16:creationId xmlns:a16="http://schemas.microsoft.com/office/drawing/2014/main" id="{AF613933-6BF7-4102-B0B1-0B959C045C2C}"/>
+              </a:ext>
+            </a:extLst>
+          </p:cNvPr>
+          <p:cNvGraphicFramePr/>
+          <p:nvPr>
+            <p:extLst>
+              <p:ext uri="{D42A27DB-BD31-4B8C-83A1-F6EECF244321}">
+                <p14:modId xmlns:p14="http://schemas.microsoft.com/office/powerpoint/2010/main" val="2816061955"/>
+              </p:ext>
+            </p:extLst>
+          </p:nvPr>
+        </p:nvGraphicFramePr>
+        <p:xfrm>
+          <a:off x="0" y="1444487"/>
+          <a:ext cx="12191999" cy="4717774"/>
+        </p:xfrm>
+        <a:graphic>
+          <a:graphicData uri="http://schemas.openxmlformats.org/drawingml/2006/chart">
+            <c:chart xmlns:c="http://schemas.openxmlformats.org/drawingml/2006/chart" xmlns:r="http://schemas.openxmlformats.org/officeDocument/2006/relationships" r:id="rId2"/>
+          </a:graphicData>
+        </a:graphic>
+      </p:graphicFrame>
+    </p:spTree>
+    <p:extLst>
+      <p:ext uri="{BB962C8B-B14F-4D97-AF65-F5344CB8AC3E}">
+        <p14:creationId xmlns:p14="http://schemas.microsoft.com/office/powerpoint/2010/main" val="837566870"/>
+      </p:ext>
+    </p:extLst>
+  </p:cSld>
+  <p:clrMapOvr>
+    <a:masterClrMapping/>
+  </p:clrMapOvr>
+</p:sld>
+</file>
+
+<file path=ppt/slides/slide7.xml><?xml version="1.0" encoding="utf-8"?>
+<p:sld xmlns:a="http://schemas.openxmlformats.org/drawingml/2006/main" xmlns:r="http://schemas.openxmlformats.org/officeDocument/2006/relationships" xmlns:p="http://schemas.openxmlformats.org/presentationml/2006/main">
+  <p:cSld>
+    <p:spTree>
+      <p:nvGrpSpPr>
+        <p:cNvPr id="1" name=""/>
+        <p:cNvGrpSpPr/>
+        <p:nvPr/>
+      </p:nvGrpSpPr>
+      <p:grpSpPr>
+        <a:xfrm>
+          <a:off x="0" y="0"/>
+          <a:ext cx="0" cy="0"/>
+          <a:chOff x="0" y="0"/>
+          <a:chExt cx="0" cy="0"/>
+        </a:xfrm>
+      </p:grpSpPr>
+      <p:sp>
+        <p:nvSpPr>
+          <p:cNvPr id="2" name="Title 1"/>
+          <p:cNvSpPr>
+            <a:spLocks noGrp="1"/>
+          </p:cNvSpPr>
+          <p:nvPr>
+            <p:ph type="title"/>
+          </p:nvPr>
+        </p:nvSpPr>
+        <p:spPr>
+          <a:xfrm>
+            <a:off x="838200" y="215348"/>
+            <a:ext cx="10515600" cy="1325563"/>
+          </a:xfrm>
+        </p:spPr>
+        <p:txBody>
+          <a:bodyPr/>
+          <a:lstStyle/>
+          <a:p>
+            <a:pPr algn="ctr"/>
+            <a:r>
+              <a:rPr lang="en-US" b="1" dirty="0"/>
+              <a:t>Age-Standardized </a:t>
+            </a:r>
+            <a:r>
+              <a:rPr lang="en-US" sz="4400" b="1" dirty="0"/>
+              <a:t>Prevalence of Self-Reported Nocturia among U.S. Adults</a:t>
+            </a:r>
+            <a:endParaRPr lang="en-US" b="1" dirty="0"/>
+          </a:p>
+        </p:txBody>
+      </p:sp>
+      <p:graphicFrame>
+        <p:nvGraphicFramePr>
+          <p:cNvPr id="4" name="Chart 3">
+            <a:extLst>
+              <a:ext uri="{FF2B5EF4-FFF2-40B4-BE49-F238E27FC236}">
+                <a16:creationId xmlns:a16="http://schemas.microsoft.com/office/drawing/2014/main" id="{EEAE1EE0-6702-4E0A-B514-4DB9FDA1F136}"/>
+              </a:ext>
+            </a:extLst>
+          </p:cNvPr>
+          <p:cNvGraphicFramePr/>
+          <p:nvPr>
+            <p:extLst>
+              <p:ext uri="{D42A27DB-BD31-4B8C-83A1-F6EECF244321}">
+                <p14:modId xmlns:p14="http://schemas.microsoft.com/office/powerpoint/2010/main" val="1458142709"/>
+              </p:ext>
+            </p:extLst>
+          </p:nvPr>
+        </p:nvGraphicFramePr>
+        <p:xfrm>
+          <a:off x="0" y="1431235"/>
+          <a:ext cx="12192000" cy="4757530"/>
+        </p:xfrm>
+        <a:graphic>
+          <a:graphicData uri="http://schemas.openxmlformats.org/drawingml/2006/chart">
+            <c:chart xmlns:c="http://schemas.openxmlformats.org/drawingml/2006/chart" xmlns:r="http://schemas.openxmlformats.org/officeDocument/2006/relationships" r:id="rId2"/>
+          </a:graphicData>
+        </a:graphic>
+      </p:graphicFrame>
+    </p:spTree>
+    <p:extLst>
+      <p:ext uri="{BB962C8B-B14F-4D97-AF65-F5344CB8AC3E}">
+        <p14:creationId xmlns:p14="http://schemas.microsoft.com/office/powerpoint/2010/main" val="2628916171"/>
       </p:ext>
     </p:extLst>
   </p:cSld>
